--- a/Parte 5/Presentazione TedxTok(parte 5).pptx
+++ b/Parte 5/Presentazione TedxTok(parte 5).pptx
@@ -5,7 +5,7 @@
     <p:sldMasterId id="2147483648" r:id="rId1"/>
   </p:sldMasterIdLst>
   <p:notesMasterIdLst>
-    <p:notesMasterId r:id="rId15"/>
+    <p:notesMasterId r:id="rId14"/>
   </p:notesMasterIdLst>
   <p:sldIdLst>
     <p:sldId id="256" r:id="rId2"/>
@@ -13,31 +13,30 @@
     <p:sldId id="267" r:id="rId4"/>
     <p:sldId id="257" r:id="rId5"/>
     <p:sldId id="273" r:id="rId6"/>
-    <p:sldId id="269" r:id="rId7"/>
-    <p:sldId id="268" r:id="rId8"/>
-    <p:sldId id="271" r:id="rId9"/>
-    <p:sldId id="275" r:id="rId10"/>
-    <p:sldId id="277" r:id="rId11"/>
-    <p:sldId id="276" r:id="rId12"/>
-    <p:sldId id="270" r:id="rId13"/>
-    <p:sldId id="264" r:id="rId14"/>
+    <p:sldId id="268" r:id="rId7"/>
+    <p:sldId id="269" r:id="rId8"/>
+    <p:sldId id="275" r:id="rId9"/>
+    <p:sldId id="271" r:id="rId10"/>
+    <p:sldId id="276" r:id="rId11"/>
+    <p:sldId id="277" r:id="rId12"/>
+    <p:sldId id="264" r:id="rId13"/>
   </p:sldIdLst>
   <p:sldSz cx="12192000" cy="6858000"/>
   <p:notesSz cx="6858000" cy="9144000"/>
   <p:embeddedFontLst>
     <p:embeddedFont>
       <p:font typeface="Lato" panose="020F0502020204030203" pitchFamily="34" charset="0"/>
-      <p:regular r:id="rId16"/>
-      <p:bold r:id="rId17"/>
-      <p:italic r:id="rId18"/>
-      <p:boldItalic r:id="rId19"/>
+      <p:regular r:id="rId15"/>
+      <p:bold r:id="rId16"/>
+      <p:italic r:id="rId17"/>
+      <p:boldItalic r:id="rId18"/>
     </p:embeddedFont>
     <p:embeddedFont>
       <p:font typeface="Montserrat" panose="00000500000000000000" pitchFamily="2" charset="0"/>
-      <p:regular r:id="rId20"/>
-      <p:bold r:id="rId21"/>
-      <p:italic r:id="rId22"/>
-      <p:boldItalic r:id="rId23"/>
+      <p:regular r:id="rId19"/>
+      <p:bold r:id="rId20"/>
+      <p:italic r:id="rId21"/>
+      <p:boldItalic r:id="rId22"/>
     </p:embeddedFont>
   </p:embeddedFontLst>
   <p:defaultTextStyle>
@@ -1098,7 +1097,7 @@
     </p:spTree>
     <p:extLst>
       <p:ext uri="{BB962C8B-B14F-4D97-AF65-F5344CB8AC3E}">
-        <p14:creationId xmlns:p14="http://schemas.microsoft.com/office/powerpoint/2010/main" val="2576191866"/>
+        <p14:creationId xmlns:p14="http://schemas.microsoft.com/office/powerpoint/2010/main" val="485089640"/>
       </p:ext>
     </p:extLst>
   </p:cSld>
@@ -1225,7 +1224,7 @@
     </p:spTree>
     <p:extLst>
       <p:ext uri="{BB962C8B-B14F-4D97-AF65-F5344CB8AC3E}">
-        <p14:creationId xmlns:p14="http://schemas.microsoft.com/office/powerpoint/2010/main" val="485089640"/>
+        <p14:creationId xmlns:p14="http://schemas.microsoft.com/office/powerpoint/2010/main" val="2576191866"/>
       </p:ext>
     </p:extLst>
   </p:cSld>
@@ -1236,133 +1235,6 @@
 </file>
 
 <file path=ppt/notesSlides/notesSlide12.xml><?xml version="1.0" encoding="utf-8"?>
-<p:notes xmlns:a="http://schemas.openxmlformats.org/drawingml/2006/main" xmlns:r="http://schemas.openxmlformats.org/officeDocument/2006/relationships" xmlns:p="http://schemas.openxmlformats.org/presentationml/2006/main" showMasterSp="0" showMasterPhAnim="0">
-  <p:cSld>
-    <p:spTree>
-      <p:nvGrpSpPr>
-        <p:cNvPr id="1" name="Shape 173"/>
-        <p:cNvGrpSpPr/>
-        <p:nvPr/>
-      </p:nvGrpSpPr>
-      <p:grpSpPr>
-        <a:xfrm>
-          <a:off x="0" y="0"/>
-          <a:ext cx="0" cy="0"/>
-          <a:chOff x="0" y="0"/>
-          <a:chExt cx="0" cy="0"/>
-        </a:xfrm>
-      </p:grpSpPr>
-      <p:sp>
-        <p:nvSpPr>
-          <p:cNvPr id="174" name="Google Shape;174;g2dae90a407d_1_0:notes"/>
-          <p:cNvSpPr>
-            <a:spLocks noGrp="1" noRot="1" noChangeAspect="1"/>
-          </p:cNvSpPr>
-          <p:nvPr>
-            <p:ph type="sldImg" idx="2"/>
-          </p:nvPr>
-        </p:nvSpPr>
-        <p:spPr>
-          <a:xfrm>
-            <a:off x="381000" y="685800"/>
-            <a:ext cx="6096000" cy="3429000"/>
-          </a:xfrm>
-          <a:custGeom>
-            <a:avLst/>
-            <a:gdLst/>
-            <a:ahLst/>
-            <a:cxnLst/>
-            <a:rect l="l" t="t" r="r" b="b"/>
-            <a:pathLst>
-              <a:path w="120000" h="120000" extrusionOk="0">
-                <a:moveTo>
-                  <a:pt x="0" y="0"/>
-                </a:moveTo>
-                <a:lnTo>
-                  <a:pt x="120000" y="0"/>
-                </a:lnTo>
-                <a:lnTo>
-                  <a:pt x="120000" y="120000"/>
-                </a:lnTo>
-                <a:lnTo>
-                  <a:pt x="0" y="120000"/>
-                </a:lnTo>
-                <a:close/>
-              </a:path>
-            </a:pathLst>
-          </a:custGeom>
-          <a:noFill/>
-          <a:ln w="9525" cap="flat" cmpd="sng">
-            <a:solidFill>
-              <a:srgbClr val="000000"/>
-            </a:solidFill>
-            <a:prstDash val="solid"/>
-            <a:round/>
-            <a:headEnd type="none" w="sm" len="sm"/>
-            <a:tailEnd type="none" w="sm" len="sm"/>
-          </a:ln>
-        </p:spPr>
-      </p:sp>
-      <p:sp>
-        <p:nvSpPr>
-          <p:cNvPr id="175" name="Google Shape;175;g2dae90a407d_1_0:notes"/>
-          <p:cNvSpPr txBox="1">
-            <a:spLocks noGrp="1"/>
-          </p:cNvSpPr>
-          <p:nvPr>
-            <p:ph type="body" idx="1"/>
-          </p:nvPr>
-        </p:nvSpPr>
-        <p:spPr>
-          <a:xfrm>
-            <a:off x="685800" y="4343400"/>
-            <a:ext cx="5486400" cy="4114800"/>
-          </a:xfrm>
-          <a:prstGeom prst="rect">
-            <a:avLst/>
-          </a:prstGeom>
-          <a:noFill/>
-          <a:ln>
-            <a:noFill/>
-          </a:ln>
-        </p:spPr>
-        <p:txBody>
-          <a:bodyPr spcFirstLastPara="1" wrap="square" lIns="91425" tIns="91425" rIns="91425" bIns="91425" anchor="t" anchorCtr="0">
-            <a:noAutofit/>
-          </a:bodyPr>
-          <a:lstStyle/>
-          <a:p>
-            <a:pPr marL="0" lvl="0" indent="0" algn="l" rtl="0">
-              <a:lnSpc>
-                <a:spcPct val="100000"/>
-              </a:lnSpc>
-              <a:spcBef>
-                <a:spcPts val="0"/>
-              </a:spcBef>
-              <a:spcAft>
-                <a:spcPts val="0"/>
-              </a:spcAft>
-              <a:buSzPts val="1100"/>
-              <a:buNone/>
-            </a:pPr>
-            <a:endParaRPr/>
-          </a:p>
-        </p:txBody>
-      </p:sp>
-    </p:spTree>
-    <p:extLst>
-      <p:ext uri="{BB962C8B-B14F-4D97-AF65-F5344CB8AC3E}">
-        <p14:creationId xmlns:p14="http://schemas.microsoft.com/office/powerpoint/2010/main" val="3509276426"/>
-      </p:ext>
-    </p:extLst>
-  </p:cSld>
-  <p:clrMapOvr>
-    <a:masterClrMapping/>
-  </p:clrMapOvr>
-</p:notes>
-</file>
-
-<file path=ppt/notesSlides/notesSlide13.xml><?xml version="1.0" encoding="utf-8"?>
 <p:notes xmlns:a="http://schemas.openxmlformats.org/drawingml/2006/main" xmlns:r="http://schemas.openxmlformats.org/officeDocument/2006/relationships" xmlns:p="http://schemas.openxmlformats.org/presentationml/2006/main" showMasterSp="0" showMasterPhAnim="0">
   <p:cSld>
     <p:spTree>
@@ -1992,133 +1864,6 @@
   <p:cSld>
     <p:spTree>
       <p:nvGrpSpPr>
-        <p:cNvPr id="1" name="Shape 162"/>
-        <p:cNvGrpSpPr/>
-        <p:nvPr/>
-      </p:nvGrpSpPr>
-      <p:grpSpPr>
-        <a:xfrm>
-          <a:off x="0" y="0"/>
-          <a:ext cx="0" cy="0"/>
-          <a:chOff x="0" y="0"/>
-          <a:chExt cx="0" cy="0"/>
-        </a:xfrm>
-      </p:grpSpPr>
-      <p:sp>
-        <p:nvSpPr>
-          <p:cNvPr id="163" name="Google Shape;163;g2dae90a407d_2_2:notes"/>
-          <p:cNvSpPr txBox="1">
-            <a:spLocks noGrp="1"/>
-          </p:cNvSpPr>
-          <p:nvPr>
-            <p:ph type="body" idx="1"/>
-          </p:nvPr>
-        </p:nvSpPr>
-        <p:spPr>
-          <a:xfrm>
-            <a:off x="685800" y="4343400"/>
-            <a:ext cx="5486400" cy="4114800"/>
-          </a:xfrm>
-          <a:prstGeom prst="rect">
-            <a:avLst/>
-          </a:prstGeom>
-          <a:noFill/>
-          <a:ln>
-            <a:noFill/>
-          </a:ln>
-        </p:spPr>
-        <p:txBody>
-          <a:bodyPr spcFirstLastPara="1" wrap="square" lIns="91425" tIns="91425" rIns="91425" bIns="91425" anchor="t" anchorCtr="0">
-            <a:noAutofit/>
-          </a:bodyPr>
-          <a:lstStyle/>
-          <a:p>
-            <a:pPr marL="0" lvl="0" indent="0" algn="l" rtl="0">
-              <a:lnSpc>
-                <a:spcPct val="100000"/>
-              </a:lnSpc>
-              <a:spcBef>
-                <a:spcPts val="0"/>
-              </a:spcBef>
-              <a:spcAft>
-                <a:spcPts val="0"/>
-              </a:spcAft>
-              <a:buSzPts val="1100"/>
-              <a:buNone/>
-            </a:pPr>
-            <a:endParaRPr/>
-          </a:p>
-        </p:txBody>
-      </p:sp>
-      <p:sp>
-        <p:nvSpPr>
-          <p:cNvPr id="164" name="Google Shape;164;g2dae90a407d_2_2:notes"/>
-          <p:cNvSpPr>
-            <a:spLocks noGrp="1" noRot="1" noChangeAspect="1"/>
-          </p:cNvSpPr>
-          <p:nvPr>
-            <p:ph type="sldImg" idx="2"/>
-          </p:nvPr>
-        </p:nvSpPr>
-        <p:spPr>
-          <a:xfrm>
-            <a:off x="381000" y="685800"/>
-            <a:ext cx="6096000" cy="3429000"/>
-          </a:xfrm>
-          <a:custGeom>
-            <a:avLst/>
-            <a:gdLst/>
-            <a:ahLst/>
-            <a:cxnLst/>
-            <a:rect l="l" t="t" r="r" b="b"/>
-            <a:pathLst>
-              <a:path w="120000" h="120000" extrusionOk="0">
-                <a:moveTo>
-                  <a:pt x="0" y="0"/>
-                </a:moveTo>
-                <a:lnTo>
-                  <a:pt x="120000" y="0"/>
-                </a:lnTo>
-                <a:lnTo>
-                  <a:pt x="120000" y="120000"/>
-                </a:lnTo>
-                <a:lnTo>
-                  <a:pt x="0" y="120000"/>
-                </a:lnTo>
-                <a:close/>
-              </a:path>
-            </a:pathLst>
-          </a:custGeom>
-          <a:noFill/>
-          <a:ln w="9525" cap="flat" cmpd="sng">
-            <a:solidFill>
-              <a:srgbClr val="000000"/>
-            </a:solidFill>
-            <a:prstDash val="solid"/>
-            <a:round/>
-            <a:headEnd type="none" w="sm" len="sm"/>
-            <a:tailEnd type="none" w="sm" len="sm"/>
-          </a:ln>
-        </p:spPr>
-      </p:sp>
-    </p:spTree>
-    <p:extLst>
-      <p:ext uri="{BB962C8B-B14F-4D97-AF65-F5344CB8AC3E}">
-        <p14:creationId xmlns:p14="http://schemas.microsoft.com/office/powerpoint/2010/main" val="2976894477"/>
-      </p:ext>
-    </p:extLst>
-  </p:cSld>
-  <p:clrMapOvr>
-    <a:masterClrMapping/>
-  </p:clrMapOvr>
-</p:notes>
-</file>
-
-<file path=ppt/notesSlides/notesSlide7.xml><?xml version="1.0" encoding="utf-8"?>
-<p:notes xmlns:a="http://schemas.openxmlformats.org/drawingml/2006/main" xmlns:r="http://schemas.openxmlformats.org/officeDocument/2006/relationships" xmlns:p="http://schemas.openxmlformats.org/presentationml/2006/main" showMasterSp="0" showMasterPhAnim="0">
-  <p:cSld>
-    <p:spTree>
-      <p:nvGrpSpPr>
         <p:cNvPr id="1" name="Shape 173"/>
         <p:cNvGrpSpPr/>
         <p:nvPr/>
@@ -2232,6 +1977,133 @@
     <p:extLst>
       <p:ext uri="{BB962C8B-B14F-4D97-AF65-F5344CB8AC3E}">
         <p14:creationId xmlns:p14="http://schemas.microsoft.com/office/powerpoint/2010/main" val="3582275665"/>
+      </p:ext>
+    </p:extLst>
+  </p:cSld>
+  <p:clrMapOvr>
+    <a:masterClrMapping/>
+  </p:clrMapOvr>
+</p:notes>
+</file>
+
+<file path=ppt/notesSlides/notesSlide7.xml><?xml version="1.0" encoding="utf-8"?>
+<p:notes xmlns:a="http://schemas.openxmlformats.org/drawingml/2006/main" xmlns:r="http://schemas.openxmlformats.org/officeDocument/2006/relationships" xmlns:p="http://schemas.openxmlformats.org/presentationml/2006/main" showMasterSp="0" showMasterPhAnim="0">
+  <p:cSld>
+    <p:spTree>
+      <p:nvGrpSpPr>
+        <p:cNvPr id="1" name="Shape 162"/>
+        <p:cNvGrpSpPr/>
+        <p:nvPr/>
+      </p:nvGrpSpPr>
+      <p:grpSpPr>
+        <a:xfrm>
+          <a:off x="0" y="0"/>
+          <a:ext cx="0" cy="0"/>
+          <a:chOff x="0" y="0"/>
+          <a:chExt cx="0" cy="0"/>
+        </a:xfrm>
+      </p:grpSpPr>
+      <p:sp>
+        <p:nvSpPr>
+          <p:cNvPr id="163" name="Google Shape;163;g2dae90a407d_2_2:notes"/>
+          <p:cNvSpPr txBox="1">
+            <a:spLocks noGrp="1"/>
+          </p:cNvSpPr>
+          <p:nvPr>
+            <p:ph type="body" idx="1"/>
+          </p:nvPr>
+        </p:nvSpPr>
+        <p:spPr>
+          <a:xfrm>
+            <a:off x="685800" y="4343400"/>
+            <a:ext cx="5486400" cy="4114800"/>
+          </a:xfrm>
+          <a:prstGeom prst="rect">
+            <a:avLst/>
+          </a:prstGeom>
+          <a:noFill/>
+          <a:ln>
+            <a:noFill/>
+          </a:ln>
+        </p:spPr>
+        <p:txBody>
+          <a:bodyPr spcFirstLastPara="1" wrap="square" lIns="91425" tIns="91425" rIns="91425" bIns="91425" anchor="t" anchorCtr="0">
+            <a:noAutofit/>
+          </a:bodyPr>
+          <a:lstStyle/>
+          <a:p>
+            <a:pPr marL="0" lvl="0" indent="0" algn="l" rtl="0">
+              <a:lnSpc>
+                <a:spcPct val="100000"/>
+              </a:lnSpc>
+              <a:spcBef>
+                <a:spcPts val="0"/>
+              </a:spcBef>
+              <a:spcAft>
+                <a:spcPts val="0"/>
+              </a:spcAft>
+              <a:buSzPts val="1100"/>
+              <a:buNone/>
+            </a:pPr>
+            <a:endParaRPr/>
+          </a:p>
+        </p:txBody>
+      </p:sp>
+      <p:sp>
+        <p:nvSpPr>
+          <p:cNvPr id="164" name="Google Shape;164;g2dae90a407d_2_2:notes"/>
+          <p:cNvSpPr>
+            <a:spLocks noGrp="1" noRot="1" noChangeAspect="1"/>
+          </p:cNvSpPr>
+          <p:nvPr>
+            <p:ph type="sldImg" idx="2"/>
+          </p:nvPr>
+        </p:nvSpPr>
+        <p:spPr>
+          <a:xfrm>
+            <a:off x="381000" y="685800"/>
+            <a:ext cx="6096000" cy="3429000"/>
+          </a:xfrm>
+          <a:custGeom>
+            <a:avLst/>
+            <a:gdLst/>
+            <a:ahLst/>
+            <a:cxnLst/>
+            <a:rect l="l" t="t" r="r" b="b"/>
+            <a:pathLst>
+              <a:path w="120000" h="120000" extrusionOk="0">
+                <a:moveTo>
+                  <a:pt x="0" y="0"/>
+                </a:moveTo>
+                <a:lnTo>
+                  <a:pt x="120000" y="0"/>
+                </a:lnTo>
+                <a:lnTo>
+                  <a:pt x="120000" y="120000"/>
+                </a:lnTo>
+                <a:lnTo>
+                  <a:pt x="0" y="120000"/>
+                </a:lnTo>
+                <a:close/>
+              </a:path>
+            </a:pathLst>
+          </a:custGeom>
+          <a:noFill/>
+          <a:ln w="9525" cap="flat" cmpd="sng">
+            <a:solidFill>
+              <a:srgbClr val="000000"/>
+            </a:solidFill>
+            <a:prstDash val="solid"/>
+            <a:round/>
+            <a:headEnd type="none" w="sm" len="sm"/>
+            <a:tailEnd type="none" w="sm" len="sm"/>
+          </a:ln>
+        </p:spPr>
+      </p:sp>
+    </p:spTree>
+    <p:extLst>
+      <p:ext uri="{BB962C8B-B14F-4D97-AF65-F5344CB8AC3E}">
+        <p14:creationId xmlns:p14="http://schemas.microsoft.com/office/powerpoint/2010/main" val="2976894477"/>
       </p:ext>
     </p:extLst>
   </p:cSld>
@@ -2358,7 +2230,7 @@
     </p:spTree>
     <p:extLst>
       <p:ext uri="{BB962C8B-B14F-4D97-AF65-F5344CB8AC3E}">
-        <p14:creationId xmlns:p14="http://schemas.microsoft.com/office/powerpoint/2010/main" val="4267659669"/>
+        <p14:creationId xmlns:p14="http://schemas.microsoft.com/office/powerpoint/2010/main" val="3477632075"/>
       </p:ext>
     </p:extLst>
   </p:cSld>
@@ -2485,7 +2357,7 @@
     </p:spTree>
     <p:extLst>
       <p:ext uri="{BB962C8B-B14F-4D97-AF65-F5344CB8AC3E}">
-        <p14:creationId xmlns:p14="http://schemas.microsoft.com/office/powerpoint/2010/main" val="3477632075"/>
+        <p14:creationId xmlns:p14="http://schemas.microsoft.com/office/powerpoint/2010/main" val="4267659669"/>
       </p:ext>
     </p:extLst>
   </p:cSld>
@@ -15959,10 +15831,183 @@
           <a:chExt cx="0" cy="0"/>
         </a:xfrm>
       </p:grpSpPr>
+      <p:pic>
+        <p:nvPicPr>
+          <p:cNvPr id="6" name="Immagine 5" descr="Immagine che contiene testo, schermata, Dispositivo mobile, Cellulare&#10;&#10;Descrizione generata automaticamente">
+            <a:extLst>
+              <a:ext uri="{FF2B5EF4-FFF2-40B4-BE49-F238E27FC236}">
+                <a16:creationId xmlns:a16="http://schemas.microsoft.com/office/drawing/2014/main" id="{8CE8DFBF-DAAA-B23B-D03B-70D4296133D5}"/>
+              </a:ext>
+            </a:extLst>
+          </p:cNvPr>
+          <p:cNvPicPr>
+            <a:picLocks noChangeAspect="1"/>
+          </p:cNvPicPr>
+          <p:nvPr/>
+        </p:nvPicPr>
+        <p:blipFill>
+          <a:blip r:embed="rId3"/>
+          <a:stretch>
+            <a:fillRect/>
+          </a:stretch>
+        </p:blipFill>
+        <p:spPr>
+          <a:xfrm>
+            <a:off x="587835" y="720090"/>
+            <a:ext cx="2681757" cy="5633413"/>
+          </a:xfrm>
+          <a:prstGeom prst="rect">
+            <a:avLst/>
+          </a:prstGeom>
+        </p:spPr>
+      </p:pic>
+      <p:pic>
+        <p:nvPicPr>
+          <p:cNvPr id="11" name="Immagine 10" descr="Immagine che contiene testo, schermata, Cellulare, Dispositivo mobile&#10;&#10;Descrizione generata automaticamente">
+            <a:extLst>
+              <a:ext uri="{FF2B5EF4-FFF2-40B4-BE49-F238E27FC236}">
+                <a16:creationId xmlns:a16="http://schemas.microsoft.com/office/drawing/2014/main" id="{2D63E677-36A0-CD2A-5472-C26B5B0F429D}"/>
+              </a:ext>
+            </a:extLst>
+          </p:cNvPr>
+          <p:cNvPicPr>
+            <a:picLocks noChangeAspect="1"/>
+          </p:cNvPicPr>
+          <p:nvPr/>
+        </p:nvPicPr>
+        <p:blipFill>
+          <a:blip r:embed="rId4"/>
+          <a:stretch>
+            <a:fillRect/>
+          </a:stretch>
+        </p:blipFill>
+        <p:spPr>
+          <a:xfrm>
+            <a:off x="3505359" y="741830"/>
+            <a:ext cx="2681757" cy="5608371"/>
+          </a:xfrm>
+          <a:prstGeom prst="rect">
+            <a:avLst/>
+          </a:prstGeom>
+        </p:spPr>
+      </p:pic>
+      <p:pic>
+        <p:nvPicPr>
+          <p:cNvPr id="14" name="Immagine 13" descr="Immagine che contiene testo, schermata, software, Software multimediale&#10;&#10;Descrizione generata automaticamente">
+            <a:extLst>
+              <a:ext uri="{FF2B5EF4-FFF2-40B4-BE49-F238E27FC236}">
+                <a16:creationId xmlns:a16="http://schemas.microsoft.com/office/drawing/2014/main" id="{FB364709-4630-A793-3CC9-87EE27CA829F}"/>
+              </a:ext>
+            </a:extLst>
+          </p:cNvPr>
+          <p:cNvPicPr>
+            <a:picLocks noChangeAspect="1"/>
+          </p:cNvPicPr>
+          <p:nvPr/>
+        </p:nvPicPr>
+        <p:blipFill>
+          <a:blip r:embed="rId5"/>
+          <a:stretch>
+            <a:fillRect/>
+          </a:stretch>
+        </p:blipFill>
+        <p:spPr>
+          <a:xfrm>
+            <a:off x="6187116" y="1120200"/>
+            <a:ext cx="5662381" cy="3242934"/>
+          </a:xfrm>
+          <a:prstGeom prst="rect">
+            <a:avLst/>
+          </a:prstGeom>
+        </p:spPr>
+      </p:pic>
+      <p:sp>
+        <p:nvSpPr>
+          <p:cNvPr id="15" name="CasellaDiTesto 14">
+            <a:extLst>
+              <a:ext uri="{FF2B5EF4-FFF2-40B4-BE49-F238E27FC236}">
+                <a16:creationId xmlns:a16="http://schemas.microsoft.com/office/drawing/2014/main" id="{378805EE-32C5-5D5F-9C85-7F1E4E39A1A9}"/>
+              </a:ext>
+            </a:extLst>
+          </p:cNvPr>
+          <p:cNvSpPr txBox="1"/>
+          <p:nvPr/>
+        </p:nvSpPr>
+        <p:spPr>
+          <a:xfrm>
+            <a:off x="7616230" y="720090"/>
+            <a:ext cx="3092824" cy="400110"/>
+          </a:xfrm>
+          <a:prstGeom prst="rect">
+            <a:avLst/>
+          </a:prstGeom>
+          <a:noFill/>
+        </p:spPr>
+        <p:txBody>
+          <a:bodyPr wrap="square" rtlCol="0">
+            <a:spAutoFit/>
+          </a:bodyPr>
+          <a:lstStyle/>
+          <a:p>
+            <a:r>
+              <a:rPr lang="it-IT" sz="2000" dirty="0">
+                <a:solidFill>
+                  <a:schemeClr val="bg1"/>
+                </a:solidFill>
+              </a:rPr>
+              <a:t>database</a:t>
+            </a:r>
+          </a:p>
+        </p:txBody>
+      </p:sp>
+      <p:sp>
+        <p:nvSpPr>
+          <p:cNvPr id="16" name="CasellaDiTesto 15">
+            <a:extLst>
+              <a:ext uri="{FF2B5EF4-FFF2-40B4-BE49-F238E27FC236}">
+                <a16:creationId xmlns:a16="http://schemas.microsoft.com/office/drawing/2014/main" id="{033202BD-AF9E-734F-3AC2-A81E03B717C0}"/>
+              </a:ext>
+            </a:extLst>
+          </p:cNvPr>
+          <p:cNvSpPr txBox="1"/>
+          <p:nvPr/>
+        </p:nvSpPr>
+        <p:spPr>
+          <a:xfrm>
+            <a:off x="6563491" y="4537471"/>
+            <a:ext cx="5198302" cy="1631216"/>
+          </a:xfrm>
+          <a:prstGeom prst="rect">
+            <a:avLst/>
+          </a:prstGeom>
+          <a:noFill/>
+        </p:spPr>
+        <p:txBody>
+          <a:bodyPr wrap="square" rtlCol="0">
+            <a:spAutoFit/>
+          </a:bodyPr>
+          <a:lstStyle/>
+          <a:p>
+            <a:r>
+              <a:rPr lang="it-IT" sz="2000" dirty="0">
+                <a:solidFill>
+                  <a:schemeClr val="bg1"/>
+                </a:solidFill>
+              </a:rPr>
+              <a:t>È stata effettuata la connessione al database per visualizzare tutti i tag. Inoltre, è stato implementato il filtro di ricerca che permette di inserire una parola chiave restituendo i tag corrispondenti.</a:t>
+            </a:r>
+            <a:endParaRPr lang="it-IT" sz="1600" dirty="0">
+              <a:solidFill>
+                <a:schemeClr val="bg1"/>
+              </a:solidFill>
+            </a:endParaRPr>
+          </a:p>
+        </p:txBody>
+      </p:sp>
     </p:spTree>
     <p:extLst>
       <p:ext uri="{BB962C8B-B14F-4D97-AF65-F5344CB8AC3E}">
-        <p14:creationId xmlns:p14="http://schemas.microsoft.com/office/powerpoint/2010/main" val="1528327572"/>
+        <p14:creationId xmlns:p14="http://schemas.microsoft.com/office/powerpoint/2010/main" val="1387897912"/>
       </p:ext>
     </p:extLst>
   </p:cSld>
@@ -15989,354 +16034,12 @@
           <a:chExt cx="0" cy="0"/>
         </a:xfrm>
       </p:grpSpPr>
-    </p:spTree>
-    <p:extLst>
-      <p:ext uri="{BB962C8B-B14F-4D97-AF65-F5344CB8AC3E}">
-        <p14:creationId xmlns:p14="http://schemas.microsoft.com/office/powerpoint/2010/main" val="1387897912"/>
-      </p:ext>
-    </p:extLst>
-  </p:cSld>
-  <p:clrMapOvr>
-    <a:masterClrMapping/>
-  </p:clrMapOvr>
-</p:sld>
-</file>
-
-<file path=ppt/slides/slide12.xml><?xml version="1.0" encoding="utf-8"?>
-<p:sld xmlns:a="http://schemas.openxmlformats.org/drawingml/2006/main" xmlns:r="http://schemas.openxmlformats.org/officeDocument/2006/relationships" xmlns:p="http://schemas.openxmlformats.org/presentationml/2006/main">
-  <p:cSld>
-    <p:spTree>
-      <p:nvGrpSpPr>
-        <p:cNvPr id="1" name="Shape 176"/>
-        <p:cNvGrpSpPr/>
-        <p:nvPr/>
-      </p:nvGrpSpPr>
-      <p:grpSpPr>
-        <a:xfrm>
-          <a:off x="0" y="0"/>
-          <a:ext cx="0" cy="0"/>
-          <a:chOff x="0" y="0"/>
-          <a:chExt cx="0" cy="0"/>
-        </a:xfrm>
-      </p:grpSpPr>
-      <p:sp>
-        <p:nvSpPr>
-          <p:cNvPr id="177" name="Google Shape;177;g2dae90a407d_1_0"/>
-          <p:cNvSpPr txBox="1">
-            <a:spLocks noGrp="1"/>
-          </p:cNvSpPr>
-          <p:nvPr>
-            <p:ph type="title"/>
-          </p:nvPr>
-        </p:nvSpPr>
-        <p:spPr>
-          <a:xfrm>
-            <a:off x="1730000" y="502075"/>
-            <a:ext cx="4708500" cy="1051800"/>
-          </a:xfrm>
-          <a:prstGeom prst="rect">
-            <a:avLst/>
-          </a:prstGeom>
-          <a:noFill/>
-          <a:ln>
-            <a:noFill/>
-          </a:ln>
-        </p:spPr>
-        <p:txBody>
-          <a:bodyPr spcFirstLastPara="1" wrap="square" lIns="121900" tIns="121900" rIns="121900" bIns="121900" anchor="t" anchorCtr="0">
-            <a:normAutofit fontScale="90000"/>
-          </a:bodyPr>
-          <a:lstStyle/>
-          <a:p>
-            <a:pPr marL="0" lvl="0" indent="0" algn="ctr" rtl="0">
-              <a:lnSpc>
-                <a:spcPct val="100000"/>
-              </a:lnSpc>
-              <a:spcBef>
-                <a:spcPts val="0"/>
-              </a:spcBef>
-              <a:spcAft>
-                <a:spcPts val="0"/>
-              </a:spcAft>
-              <a:buSzPts val="3200"/>
-              <a:buNone/>
-            </a:pPr>
-            <a:r>
-              <a:rPr lang="it-IT" dirty="0"/>
-              <a:t>CRITICIT</a:t>
-            </a:r>
-            <a:r>
-              <a:rPr lang="it-IT" cap="none" dirty="0"/>
-              <a:t>À</a:t>
-            </a:r>
-            <a:br>
-              <a:rPr lang="it-IT" cap="none" dirty="0"/>
-            </a:br>
-            <a:r>
-              <a:rPr lang="it-IT" cap="none" dirty="0"/>
-              <a:t>TECNICHE</a:t>
-            </a:r>
-            <a:endParaRPr cap="none" dirty="0"/>
-          </a:p>
-        </p:txBody>
-      </p:sp>
-      <p:sp>
-        <p:nvSpPr>
-          <p:cNvPr id="179" name="Google Shape;179;g2dae90a407d_1_0"/>
-          <p:cNvSpPr txBox="1">
-            <a:spLocks noGrp="1"/>
-          </p:cNvSpPr>
-          <p:nvPr>
-            <p:ph type="title"/>
-          </p:nvPr>
-        </p:nvSpPr>
-        <p:spPr>
-          <a:xfrm>
-            <a:off x="6113150" y="365125"/>
-            <a:ext cx="5240700" cy="1325700"/>
-          </a:xfrm>
-          <a:prstGeom prst="rect">
-            <a:avLst/>
-          </a:prstGeom>
-          <a:noFill/>
-          <a:ln>
-            <a:noFill/>
-          </a:ln>
-        </p:spPr>
-        <p:txBody>
-          <a:bodyPr spcFirstLastPara="1" wrap="square" lIns="91425" tIns="45700" rIns="91425" bIns="45700" anchor="ctr" anchorCtr="0">
-            <a:normAutofit/>
-          </a:bodyPr>
-          <a:lstStyle/>
-          <a:p>
-            <a:pPr marL="0" lvl="0" indent="0" algn="ctr" rtl="0">
-              <a:lnSpc>
-                <a:spcPct val="90000"/>
-              </a:lnSpc>
-              <a:spcBef>
-                <a:spcPts val="0"/>
-              </a:spcBef>
-              <a:spcAft>
-                <a:spcPts val="0"/>
-              </a:spcAft>
-              <a:buSzPts val="1800"/>
-              <a:buNone/>
-            </a:pPr>
-            <a:r>
-              <a:rPr lang="it-IT" dirty="0"/>
-              <a:t>POSSIBILI</a:t>
-            </a:r>
-            <a:br>
-              <a:rPr lang="it-IT" dirty="0"/>
-            </a:br>
-            <a:r>
-              <a:rPr lang="it-IT" dirty="0"/>
-              <a:t>EVOLUZIONI</a:t>
-            </a:r>
-            <a:endParaRPr dirty="0"/>
-          </a:p>
-        </p:txBody>
-      </p:sp>
-      <p:sp>
-        <p:nvSpPr>
-          <p:cNvPr id="180" name="Google Shape;180;g2dae90a407d_1_0"/>
-          <p:cNvSpPr txBox="1"/>
-          <p:nvPr/>
-        </p:nvSpPr>
-        <p:spPr>
-          <a:xfrm>
-            <a:off x="6643450" y="2065825"/>
-            <a:ext cx="4708500" cy="3881700"/>
-          </a:xfrm>
-          <a:prstGeom prst="rect">
-            <a:avLst/>
-          </a:prstGeom>
-          <a:noFill/>
-          <a:ln>
-            <a:noFill/>
-          </a:ln>
-        </p:spPr>
-        <p:txBody>
-          <a:bodyPr spcFirstLastPara="1" wrap="square" lIns="91425" tIns="91425" rIns="91425" bIns="91425" anchor="t" anchorCtr="0">
-            <a:noAutofit/>
-          </a:bodyPr>
-          <a:lstStyle/>
-          <a:p>
-            <a:pPr marL="285750" lvl="0" indent="-285750" algn="l" rtl="0">
-              <a:spcBef>
-                <a:spcPts val="0"/>
-              </a:spcBef>
-              <a:spcAft>
-                <a:spcPts val="0"/>
-              </a:spcAft>
-              <a:buClr>
-                <a:schemeClr val="bg1"/>
-              </a:buClr>
-              <a:buFont typeface="Arial" panose="020B0604020202020204" pitchFamily="34" charset="0"/>
-              <a:buChar char="•"/>
-            </a:pPr>
-            <a:r>
-              <a:rPr lang="it-IT" sz="1800" dirty="0">
-                <a:solidFill>
-                  <a:schemeClr val="bg1"/>
-                </a:solidFill>
-                <a:latin typeface="Lato"/>
-                <a:ea typeface="Lato"/>
-                <a:cs typeface="Lato"/>
-                <a:sym typeface="Lato"/>
-              </a:rPr>
-              <a:t>Inserimento di tutti i tag presenti nel database, con una relativa casella di ricerca</a:t>
-            </a:r>
-          </a:p>
-          <a:p>
-            <a:pPr marL="285750" lvl="0" indent="-285750" algn="l" rtl="0">
-              <a:spcBef>
-                <a:spcPts val="0"/>
-              </a:spcBef>
-              <a:spcAft>
-                <a:spcPts val="0"/>
-              </a:spcAft>
-              <a:buClr>
-                <a:schemeClr val="bg1"/>
-              </a:buClr>
-              <a:buFont typeface="Arial" panose="020B0604020202020204" pitchFamily="34" charset="0"/>
-              <a:buChar char="•"/>
-            </a:pPr>
-            <a:r>
-              <a:rPr lang="it-IT" sz="1800" dirty="0">
-                <a:solidFill>
-                  <a:schemeClr val="bg1"/>
-                </a:solidFill>
-                <a:latin typeface="Lato"/>
-                <a:ea typeface="Lato"/>
-                <a:cs typeface="Lato"/>
-                <a:sym typeface="Lato"/>
-              </a:rPr>
-              <a:t>Inserimento del ritaglio del video mostrando almeno il 1 minuto</a:t>
-            </a:r>
-          </a:p>
-          <a:p>
-            <a:pPr marL="285750" lvl="0" indent="-285750" algn="l" rtl="0">
-              <a:spcBef>
-                <a:spcPts val="0"/>
-              </a:spcBef>
-              <a:spcAft>
-                <a:spcPts val="0"/>
-              </a:spcAft>
-              <a:buClr>
-                <a:schemeClr val="bg1"/>
-              </a:buClr>
-              <a:buFont typeface="Arial" panose="020B0604020202020204" pitchFamily="34" charset="0"/>
-              <a:buChar char="•"/>
-            </a:pPr>
-            <a:r>
-              <a:rPr lang="it-IT" sz="1800" dirty="0">
-                <a:solidFill>
-                  <a:schemeClr val="bg1"/>
-                </a:solidFill>
-                <a:latin typeface="Lato"/>
-                <a:ea typeface="Lato"/>
-                <a:cs typeface="Lato"/>
-                <a:sym typeface="Lato"/>
-              </a:rPr>
-              <a:t>Implementazione di accesso tramite account</a:t>
-            </a:r>
-          </a:p>
-        </p:txBody>
-      </p:sp>
-      <p:sp>
-        <p:nvSpPr>
-          <p:cNvPr id="2" name="Google Shape;180;g2dae90a407d_1_0">
+      <p:pic>
+        <p:nvPicPr>
+          <p:cNvPr id="5" name="Immagine 4" descr="Immagine che contiene Cellulare, Dispositivo mobile, Dispositivo portatile per comunicazioni, gadget&#10;&#10;Descrizione generata automaticamente">
             <a:extLst>
               <a:ext uri="{FF2B5EF4-FFF2-40B4-BE49-F238E27FC236}">
-                <a16:creationId xmlns:a16="http://schemas.microsoft.com/office/drawing/2014/main" id="{33E79721-41D7-B3EC-7557-B49C56433C25}"/>
-              </a:ext>
-            </a:extLst>
-          </p:cNvPr>
-          <p:cNvSpPr txBox="1"/>
-          <p:nvPr/>
-        </p:nvSpPr>
-        <p:spPr>
-          <a:xfrm>
-            <a:off x="1934950" y="2055595"/>
-            <a:ext cx="4708500" cy="3881700"/>
-          </a:xfrm>
-          <a:prstGeom prst="rect">
-            <a:avLst/>
-          </a:prstGeom>
-          <a:noFill/>
-          <a:ln>
-            <a:noFill/>
-          </a:ln>
-        </p:spPr>
-        <p:txBody>
-          <a:bodyPr spcFirstLastPara="1" wrap="square" lIns="91425" tIns="91425" rIns="91425" bIns="91425" anchor="t" anchorCtr="0">
-            <a:noAutofit/>
-          </a:bodyPr>
-          <a:lstStyle/>
-          <a:p>
-            <a:pPr marL="285750" lvl="0" indent="-285750" algn="l" rtl="0">
-              <a:spcBef>
-                <a:spcPts val="0"/>
-              </a:spcBef>
-              <a:spcAft>
-                <a:spcPts val="0"/>
-              </a:spcAft>
-              <a:buClr>
-                <a:schemeClr val="bg1"/>
-              </a:buClr>
-              <a:buFont typeface="Arial" panose="020B0604020202020204" pitchFamily="34" charset="0"/>
-              <a:buChar char="•"/>
-            </a:pPr>
-            <a:r>
-              <a:rPr lang="it-IT" sz="1800" dirty="0">
-                <a:solidFill>
-                  <a:schemeClr val="bg1"/>
-                </a:solidFill>
-              </a:rPr>
-              <a:t>Al lancio dell'applicazione si potrebbe riscontrare una maggiore latenza. </a:t>
-            </a:r>
-          </a:p>
-          <a:p>
-            <a:pPr marL="285750" lvl="0" indent="-285750" algn="l" rtl="0">
-              <a:spcBef>
-                <a:spcPts val="0"/>
-              </a:spcBef>
-              <a:spcAft>
-                <a:spcPts val="0"/>
-              </a:spcAft>
-              <a:buClr>
-                <a:schemeClr val="bg1"/>
-              </a:buClr>
-              <a:buFont typeface="Arial" panose="020B0604020202020204" pitchFamily="34" charset="0"/>
-              <a:buChar char="•"/>
-            </a:pPr>
-            <a:r>
-              <a:rPr lang="it-IT" sz="1800" dirty="0">
-                <a:solidFill>
-                  <a:schemeClr val="bg1"/>
-                </a:solidFill>
-              </a:rPr>
-              <a:t>A volte la funzione Lambda restituisce errori a causa di problemi con il server, influenzando così l'usabilità dell'applicazione.</a:t>
-            </a:r>
-            <a:endParaRPr lang="it-IT" dirty="0">
-              <a:solidFill>
-                <a:schemeClr val="bg1"/>
-              </a:solidFill>
-              <a:latin typeface="Lato"/>
-              <a:ea typeface="Lato"/>
-              <a:cs typeface="Lato"/>
-              <a:sym typeface="Lato"/>
-            </a:endParaRPr>
-          </a:p>
-        </p:txBody>
-      </p:sp>
-      <p:pic>
-        <p:nvPicPr>
-          <p:cNvPr id="6" name="Immagine 5" descr="Immagine che contiene schermata, design&#10;&#10;Descrizione generata automaticamente">
-            <a:extLst>
-              <a:ext uri="{FF2B5EF4-FFF2-40B4-BE49-F238E27FC236}">
-                <a16:creationId xmlns:a16="http://schemas.microsoft.com/office/drawing/2014/main" id="{AC872381-CE9F-44F9-79F3-B8D39FC6E612}"/>
+                <a16:creationId xmlns:a16="http://schemas.microsoft.com/office/drawing/2014/main" id="{6C30FCCC-659C-FB80-0C62-61AEDC8D32FF}"/>
               </a:ext>
             </a:extLst>
           </p:cNvPr>
@@ -16345,15 +16048,16 @@
           </p:cNvPicPr>
           <p:nvPr/>
         </p:nvPicPr>
-        <p:blipFill rotWithShape="1">
+        <p:blipFill>
           <a:blip r:embed="rId3"/>
-          <a:srcRect t="22692" b="38559"/>
-          <a:stretch/>
+          <a:stretch>
+            <a:fillRect/>
+          </a:stretch>
         </p:blipFill>
         <p:spPr>
           <a:xfrm>
-            <a:off x="1730000" y="4399639"/>
-            <a:ext cx="4762500" cy="1845411"/>
+            <a:off x="2549762" y="172044"/>
+            <a:ext cx="2549762" cy="5405718"/>
           </a:xfrm>
           <a:prstGeom prst="rect">
             <a:avLst/>
@@ -16362,10 +16066,10 @@
       </p:pic>
       <p:pic>
         <p:nvPicPr>
-          <p:cNvPr id="8" name="Immagine 7">
+          <p:cNvPr id="13" name="Immagine 12" descr="Immagine che contiene elettronica, testo, Viso umano, multimediale&#10;&#10;Descrizione generata automaticamente">
             <a:extLst>
               <a:ext uri="{FF2B5EF4-FFF2-40B4-BE49-F238E27FC236}">
-                <a16:creationId xmlns:a16="http://schemas.microsoft.com/office/drawing/2014/main" id="{A97AF41A-CC88-9E78-BE6D-1A83E283BF8F}"/>
+                <a16:creationId xmlns:a16="http://schemas.microsoft.com/office/drawing/2014/main" id="{9DED3F42-6937-1140-80A8-8253D2811BAF}"/>
               </a:ext>
             </a:extLst>
           </p:cNvPr>
@@ -16382,18 +16086,197 @@
         </p:blipFill>
         <p:spPr>
           <a:xfrm>
-            <a:off x="7518663" y="4357304"/>
-            <a:ext cx="2429673" cy="1975686"/>
+            <a:off x="0" y="172044"/>
+            <a:ext cx="2549762" cy="5407060"/>
           </a:xfrm>
           <a:prstGeom prst="rect">
             <a:avLst/>
           </a:prstGeom>
         </p:spPr>
       </p:pic>
+      <p:pic>
+        <p:nvPicPr>
+          <p:cNvPr id="9" name="Immagine 8" descr="Immagine che contiene testo, schermata, software&#10;&#10;Descrizione generata automaticamente">
+            <a:extLst>
+              <a:ext uri="{FF2B5EF4-FFF2-40B4-BE49-F238E27FC236}">
+                <a16:creationId xmlns:a16="http://schemas.microsoft.com/office/drawing/2014/main" id="{8D361043-8BF4-B242-5A9E-7CC651003B4B}"/>
+              </a:ext>
+            </a:extLst>
+          </p:cNvPr>
+          <p:cNvPicPr>
+            <a:picLocks noChangeAspect="1"/>
+          </p:cNvPicPr>
+          <p:nvPr/>
+        </p:nvPicPr>
+        <p:blipFill>
+          <a:blip r:embed="rId5"/>
+          <a:stretch>
+            <a:fillRect/>
+          </a:stretch>
+        </p:blipFill>
+        <p:spPr>
+          <a:xfrm>
+            <a:off x="5099524" y="823397"/>
+            <a:ext cx="4026201" cy="4548116"/>
+          </a:xfrm>
+          <a:prstGeom prst="rect">
+            <a:avLst/>
+          </a:prstGeom>
+        </p:spPr>
+      </p:pic>
+      <p:sp>
+        <p:nvSpPr>
+          <p:cNvPr id="14" name="CasellaDiTesto 13">
+            <a:extLst>
+              <a:ext uri="{FF2B5EF4-FFF2-40B4-BE49-F238E27FC236}">
+                <a16:creationId xmlns:a16="http://schemas.microsoft.com/office/drawing/2014/main" id="{3B3E0FB8-CBE3-1329-3081-99452C43EB30}"/>
+              </a:ext>
+            </a:extLst>
+          </p:cNvPr>
+          <p:cNvSpPr txBox="1"/>
+          <p:nvPr/>
+        </p:nvSpPr>
+        <p:spPr>
+          <a:xfrm>
+            <a:off x="5947752" y="293194"/>
+            <a:ext cx="2877671" cy="646331"/>
+          </a:xfrm>
+          <a:prstGeom prst="rect">
+            <a:avLst/>
+          </a:prstGeom>
+          <a:noFill/>
+        </p:spPr>
+        <p:txBody>
+          <a:bodyPr wrap="square" rtlCol="0">
+            <a:spAutoFit/>
+          </a:bodyPr>
+          <a:lstStyle/>
+          <a:p>
+            <a:r>
+              <a:rPr lang="it-IT" sz="1800" dirty="0" err="1">
+                <a:solidFill>
+                  <a:schemeClr val="bg1"/>
+                </a:solidFill>
+              </a:rPr>
+              <a:t>Drawer</a:t>
+            </a:r>
+            <a:r>
+              <a:rPr lang="it-IT" sz="1800" dirty="0">
+                <a:solidFill>
+                  <a:schemeClr val="bg1"/>
+                </a:solidFill>
+              </a:rPr>
+              <a:t>: pagina contente le informazioni dell’utente</a:t>
+            </a:r>
+          </a:p>
+        </p:txBody>
+      </p:sp>
+      <p:sp>
+        <p:nvSpPr>
+          <p:cNvPr id="15" name="CasellaDiTesto 14">
+            <a:extLst>
+              <a:ext uri="{FF2B5EF4-FFF2-40B4-BE49-F238E27FC236}">
+                <a16:creationId xmlns:a16="http://schemas.microsoft.com/office/drawing/2014/main" id="{318D4111-CE8D-A2FE-0F8C-9E1C38C12204}"/>
+              </a:ext>
+            </a:extLst>
+          </p:cNvPr>
+          <p:cNvSpPr txBox="1"/>
+          <p:nvPr/>
+        </p:nvSpPr>
+        <p:spPr>
+          <a:xfrm>
+            <a:off x="9206953" y="305720"/>
+            <a:ext cx="2392471" cy="5909310"/>
+          </a:xfrm>
+          <a:prstGeom prst="rect">
+            <a:avLst/>
+          </a:prstGeom>
+          <a:noFill/>
+        </p:spPr>
+        <p:txBody>
+          <a:bodyPr wrap="square" rtlCol="0">
+            <a:spAutoFit/>
+          </a:bodyPr>
+          <a:lstStyle/>
+          <a:p>
+            <a:r>
+              <a:rPr lang="it-IT" sz="1800" dirty="0">
+                <a:solidFill>
+                  <a:schemeClr val="bg1"/>
+                </a:solidFill>
+              </a:rPr>
+              <a:t>Per prima cosa abbiamo aggiunte un </a:t>
+            </a:r>
+            <a:r>
+              <a:rPr lang="it-IT" sz="1800" dirty="0" err="1">
+                <a:solidFill>
+                  <a:schemeClr val="bg1"/>
+                </a:solidFill>
+              </a:rPr>
+              <a:t>timeout</a:t>
+            </a:r>
+            <a:r>
+              <a:rPr lang="it-IT" sz="1800" dirty="0">
+                <a:solidFill>
+                  <a:schemeClr val="bg1"/>
+                </a:solidFill>
+              </a:rPr>
+              <a:t> che permette di scorrere automaticamente al video successivo dopo un minuto.</a:t>
+            </a:r>
+            <a:br>
+              <a:rPr lang="it-IT" sz="1800" dirty="0">
+                <a:solidFill>
+                  <a:schemeClr val="bg1"/>
+                </a:solidFill>
+              </a:rPr>
+            </a:br>
+            <a:r>
+              <a:rPr lang="it-IT" sz="1800" dirty="0">
+                <a:solidFill>
+                  <a:schemeClr val="bg1"/>
+                </a:solidFill>
+              </a:rPr>
+              <a:t>Successivamente, abbiamo spostato il collegamento alla pagina </a:t>
+            </a:r>
+            <a:r>
+              <a:rPr lang="it-IT" sz="1800" dirty="0" err="1">
+                <a:solidFill>
+                  <a:schemeClr val="bg1"/>
+                </a:solidFill>
+              </a:rPr>
+              <a:t>tedx</a:t>
+            </a:r>
+            <a:r>
+              <a:rPr lang="it-IT" sz="1800" dirty="0">
+                <a:solidFill>
+                  <a:schemeClr val="bg1"/>
+                </a:solidFill>
+              </a:rPr>
+              <a:t> assieme ai dati del talk e al suo posto abbiamo inserito la possibilità per l’utente di andare a visualizzare i suoi dati di login attraverso un widget </a:t>
+            </a:r>
+            <a:r>
+              <a:rPr lang="it-IT" sz="1800" dirty="0" err="1">
+                <a:solidFill>
+                  <a:schemeClr val="bg1"/>
+                </a:solidFill>
+              </a:rPr>
+              <a:t>drawer</a:t>
+            </a:r>
+            <a:r>
+              <a:rPr lang="it-IT" sz="1800" dirty="0">
+                <a:solidFill>
+                  <a:schemeClr val="bg1"/>
+                </a:solidFill>
+              </a:rPr>
+              <a:t> e di effettuare il log out ritornando alla pagina di login</a:t>
+            </a:r>
+          </a:p>
+        </p:txBody>
+      </p:sp>
     </p:spTree>
     <p:extLst>
       <p:ext uri="{BB962C8B-B14F-4D97-AF65-F5344CB8AC3E}">
-        <p14:creationId xmlns:p14="http://schemas.microsoft.com/office/powerpoint/2010/main" val="1328730651"/>
+        <p14:creationId xmlns:p14="http://schemas.microsoft.com/office/powerpoint/2010/main" val="1528327572"/>
       </p:ext>
     </p:extLst>
   </p:cSld>
@@ -16403,7 +16286,7 @@
 </p:sld>
 </file>
 
-<file path=ppt/slides/slide13.xml><?xml version="1.0" encoding="utf-8"?>
+<file path=ppt/slides/slide12.xml><?xml version="1.0" encoding="utf-8"?>
 <p:sld xmlns:a="http://schemas.openxmlformats.org/drawingml/2006/main" xmlns:r="http://schemas.openxmlformats.org/officeDocument/2006/relationships" xmlns:p="http://schemas.openxmlformats.org/presentationml/2006/main">
   <p:cSld>
     <p:spTree>
@@ -16610,6 +16493,146 @@
           </a:p>
         </p:txBody>
       </p:sp>
+      <p:pic>
+        <p:nvPicPr>
+          <p:cNvPr id="12" name="Immagine 11" descr="Immagine che contiene testo, schermata&#10;&#10;Descrizione generata automaticamente">
+            <a:extLst>
+              <a:ext uri="{FF2B5EF4-FFF2-40B4-BE49-F238E27FC236}">
+                <a16:creationId xmlns:a16="http://schemas.microsoft.com/office/drawing/2014/main" id="{E39DE748-6975-F1F0-51CE-EEE4D469E68B}"/>
+              </a:ext>
+            </a:extLst>
+          </p:cNvPr>
+          <p:cNvPicPr>
+            <a:picLocks noChangeAspect="1"/>
+          </p:cNvPicPr>
+          <p:nvPr/>
+        </p:nvPicPr>
+        <p:blipFill>
+          <a:blip r:embed="rId3"/>
+          <a:stretch>
+            <a:fillRect/>
+          </a:stretch>
+        </p:blipFill>
+        <p:spPr>
+          <a:xfrm>
+            <a:off x="672471" y="1723613"/>
+            <a:ext cx="8807705" cy="4348638"/>
+          </a:xfrm>
+          <a:prstGeom prst="rect">
+            <a:avLst/>
+          </a:prstGeom>
+        </p:spPr>
+      </p:pic>
+      <p:sp>
+        <p:nvSpPr>
+          <p:cNvPr id="17" name="CasellaDiTesto 16">
+            <a:extLst>
+              <a:ext uri="{FF2B5EF4-FFF2-40B4-BE49-F238E27FC236}">
+                <a16:creationId xmlns:a16="http://schemas.microsoft.com/office/drawing/2014/main" id="{BC907EB8-8A00-E71A-90B6-71F15758EED0}"/>
+              </a:ext>
+            </a:extLst>
+          </p:cNvPr>
+          <p:cNvSpPr txBox="1"/>
+          <p:nvPr/>
+        </p:nvSpPr>
+        <p:spPr>
+          <a:xfrm>
+            <a:off x="2469777" y="1077282"/>
+            <a:ext cx="8216034" cy="646331"/>
+          </a:xfrm>
+          <a:prstGeom prst="rect">
+            <a:avLst/>
+          </a:prstGeom>
+          <a:noFill/>
+        </p:spPr>
+        <p:txBody>
+          <a:bodyPr wrap="square" rtlCol="0">
+            <a:spAutoFit/>
+          </a:bodyPr>
+          <a:lstStyle/>
+          <a:p>
+            <a:r>
+              <a:rPr lang="it-IT" sz="1800" dirty="0">
+                <a:solidFill>
+                  <a:schemeClr val="bg1"/>
+                </a:solidFill>
+              </a:rPr>
+              <a:t>JOB PYSPARK</a:t>
+            </a:r>
+            <a:r>
+              <a:rPr lang="it-IT" dirty="0">
+                <a:solidFill>
+                  <a:schemeClr val="bg1"/>
+                </a:solidFill>
+              </a:rPr>
+              <a:t>:</a:t>
+            </a:r>
+            <a:r>
+              <a:rPr lang="en-US" sz="1800" dirty="0" err="1">
+                <a:solidFill>
+                  <a:schemeClr val="bg1"/>
+                </a:solidFill>
+              </a:rPr>
+              <a:t>Get_Most_common_presenter_for_each_topic</a:t>
+            </a:r>
+            <a:r>
+              <a:rPr lang="en-US" sz="1800" dirty="0">
+                <a:solidFill>
+                  <a:schemeClr val="bg1"/>
+                </a:solidFill>
+              </a:rPr>
+              <a:t> (pt1)</a:t>
+            </a:r>
+            <a:endParaRPr lang="it-IT" sz="1800" dirty="0">
+              <a:solidFill>
+                <a:schemeClr val="bg1"/>
+              </a:solidFill>
+            </a:endParaRPr>
+          </a:p>
+          <a:p>
+            <a:endParaRPr lang="it-IT" sz="1800" dirty="0"/>
+          </a:p>
+        </p:txBody>
+      </p:sp>
+      <p:sp>
+        <p:nvSpPr>
+          <p:cNvPr id="18" name="CasellaDiTesto 17">
+            <a:extLst>
+              <a:ext uri="{FF2B5EF4-FFF2-40B4-BE49-F238E27FC236}">
+                <a16:creationId xmlns:a16="http://schemas.microsoft.com/office/drawing/2014/main" id="{C835E790-3013-48B8-42B0-AA714B559CD8}"/>
+              </a:ext>
+            </a:extLst>
+          </p:cNvPr>
+          <p:cNvSpPr txBox="1"/>
+          <p:nvPr/>
+        </p:nvSpPr>
+        <p:spPr>
+          <a:xfrm>
+            <a:off x="9870141" y="2014211"/>
+            <a:ext cx="1855694" cy="2308324"/>
+          </a:xfrm>
+          <a:prstGeom prst="rect">
+            <a:avLst/>
+          </a:prstGeom>
+          <a:noFill/>
+        </p:spPr>
+        <p:txBody>
+          <a:bodyPr wrap="square" rtlCol="0">
+            <a:spAutoFit/>
+          </a:bodyPr>
+          <a:lstStyle/>
+          <a:p>
+            <a:r>
+              <a:rPr lang="it-IT" sz="1800" dirty="0">
+                <a:solidFill>
+                  <a:schemeClr val="bg1"/>
+                </a:solidFill>
+              </a:rPr>
+              <a:t>Questo job permette di visualizzare, per ogni tag, il presentatore che ha presentato più volte..</a:t>
+            </a:r>
+          </a:p>
+        </p:txBody>
+      </p:sp>
     </p:spTree>
     <p:extLst>
       <p:ext uri="{BB962C8B-B14F-4D97-AF65-F5344CB8AC3E}">
@@ -16640,6 +16663,173 @@
           <a:chExt cx="0" cy="0"/>
         </a:xfrm>
       </p:grpSpPr>
+      <p:pic>
+        <p:nvPicPr>
+          <p:cNvPr id="14" name="Immagine 13" descr="Immagine che contiene testo, schermata, Carattere&#10;&#10;Descrizione generata automaticamente">
+            <a:extLst>
+              <a:ext uri="{FF2B5EF4-FFF2-40B4-BE49-F238E27FC236}">
+                <a16:creationId xmlns:a16="http://schemas.microsoft.com/office/drawing/2014/main" id="{E11EBEA3-B088-6D8E-732F-0659DC79133A}"/>
+              </a:ext>
+            </a:extLst>
+          </p:cNvPr>
+          <p:cNvPicPr>
+            <a:picLocks noChangeAspect="1"/>
+          </p:cNvPicPr>
+          <p:nvPr/>
+        </p:nvPicPr>
+        <p:blipFill>
+          <a:blip r:embed="rId3"/>
+          <a:stretch>
+            <a:fillRect/>
+          </a:stretch>
+        </p:blipFill>
+        <p:spPr>
+          <a:xfrm>
+            <a:off x="2331995" y="1173196"/>
+            <a:ext cx="9386627" cy="3349502"/>
+          </a:xfrm>
+          <a:prstGeom prst="rect">
+            <a:avLst/>
+          </a:prstGeom>
+        </p:spPr>
+      </p:pic>
+      <p:sp>
+        <p:nvSpPr>
+          <p:cNvPr id="2" name="CasellaDiTesto 1">
+            <a:extLst>
+              <a:ext uri="{FF2B5EF4-FFF2-40B4-BE49-F238E27FC236}">
+                <a16:creationId xmlns:a16="http://schemas.microsoft.com/office/drawing/2014/main" id="{F13F5A3E-82AF-7811-B7E6-73B82B3618D8}"/>
+              </a:ext>
+            </a:extLst>
+          </p:cNvPr>
+          <p:cNvSpPr txBox="1"/>
+          <p:nvPr/>
+        </p:nvSpPr>
+        <p:spPr>
+          <a:xfrm>
+            <a:off x="2810435" y="537882"/>
+            <a:ext cx="7664824" cy="707886"/>
+          </a:xfrm>
+          <a:prstGeom prst="rect">
+            <a:avLst/>
+          </a:prstGeom>
+          <a:noFill/>
+        </p:spPr>
+        <p:txBody>
+          <a:bodyPr wrap="square" rtlCol="0">
+            <a:spAutoFit/>
+          </a:bodyPr>
+          <a:lstStyle/>
+          <a:p>
+            <a:r>
+              <a:rPr lang="it-IT" sz="2000" dirty="0">
+                <a:solidFill>
+                  <a:schemeClr val="bg1"/>
+                </a:solidFill>
+              </a:rPr>
+              <a:t>JOB PYSPARK:</a:t>
+            </a:r>
+            <a:r>
+              <a:rPr lang="en-US" sz="2000" dirty="0" err="1">
+                <a:solidFill>
+                  <a:schemeClr val="bg1"/>
+                </a:solidFill>
+              </a:rPr>
+              <a:t>Get_Most_common_presenter_for_each_topic</a:t>
+            </a:r>
+            <a:r>
+              <a:rPr lang="en-US" sz="2000" dirty="0">
+                <a:solidFill>
+                  <a:schemeClr val="bg1"/>
+                </a:solidFill>
+              </a:rPr>
+              <a:t> (pt2)</a:t>
+            </a:r>
+            <a:endParaRPr lang="it-IT" sz="2000" dirty="0">
+              <a:solidFill>
+                <a:schemeClr val="bg1"/>
+              </a:solidFill>
+            </a:endParaRPr>
+          </a:p>
+        </p:txBody>
+      </p:sp>
+      <p:pic>
+        <p:nvPicPr>
+          <p:cNvPr id="8" name="Immagine 7" descr="Immagine che contiene testo, Carattere, schermata, bianco&#10;&#10;Descrizione generata automaticamente">
+            <a:extLst>
+              <a:ext uri="{FF2B5EF4-FFF2-40B4-BE49-F238E27FC236}">
+                <a16:creationId xmlns:a16="http://schemas.microsoft.com/office/drawing/2014/main" id="{9583B454-65F5-CA86-CA81-C7A45D6B0337}"/>
+              </a:ext>
+            </a:extLst>
+          </p:cNvPr>
+          <p:cNvPicPr>
+            <a:picLocks noChangeAspect="1"/>
+          </p:cNvPicPr>
+          <p:nvPr/>
+        </p:nvPicPr>
+        <p:blipFill>
+          <a:blip r:embed="rId4"/>
+          <a:stretch>
+            <a:fillRect/>
+          </a:stretch>
+        </p:blipFill>
+        <p:spPr>
+          <a:xfrm>
+            <a:off x="6096000" y="5277098"/>
+            <a:ext cx="2804403" cy="815411"/>
+          </a:xfrm>
+          <a:prstGeom prst="rect">
+            <a:avLst/>
+          </a:prstGeom>
+        </p:spPr>
+      </p:pic>
+      <p:sp>
+        <p:nvSpPr>
+          <p:cNvPr id="5" name="CasellaDiTesto 4">
+            <a:extLst>
+              <a:ext uri="{FF2B5EF4-FFF2-40B4-BE49-F238E27FC236}">
+                <a16:creationId xmlns:a16="http://schemas.microsoft.com/office/drawing/2014/main" id="{14FD314B-752A-F7EE-7121-17DF3F321E3D}"/>
+              </a:ext>
+            </a:extLst>
+          </p:cNvPr>
+          <p:cNvSpPr txBox="1"/>
+          <p:nvPr/>
+        </p:nvSpPr>
+        <p:spPr>
+          <a:xfrm>
+            <a:off x="4247030" y="5500137"/>
+            <a:ext cx="3429000" cy="369332"/>
+          </a:xfrm>
+          <a:prstGeom prst="rect">
+            <a:avLst/>
+          </a:prstGeom>
+          <a:noFill/>
+        </p:spPr>
+        <p:txBody>
+          <a:bodyPr wrap="square" rtlCol="0">
+            <a:spAutoFit/>
+          </a:bodyPr>
+          <a:lstStyle/>
+          <a:p>
+            <a:r>
+              <a:rPr lang="it-IT" sz="1800" dirty="0" err="1">
+                <a:solidFill>
+                  <a:schemeClr val="bg1"/>
+                </a:solidFill>
+              </a:rPr>
+              <a:t>MongoDB</a:t>
+            </a:r>
+            <a:r>
+              <a:rPr lang="it-IT" sz="1800" dirty="0">
+                <a:solidFill>
+                  <a:schemeClr val="bg1"/>
+                </a:solidFill>
+              </a:rPr>
+              <a:t>:</a:t>
+            </a:r>
+          </a:p>
+        </p:txBody>
+      </p:sp>
     </p:spTree>
     <p:extLst>
       <p:ext uri="{BB962C8B-B14F-4D97-AF65-F5344CB8AC3E}">
@@ -16670,6 +16860,232 @@
           <a:chExt cx="0" cy="0"/>
         </a:xfrm>
       </p:grpSpPr>
+      <p:pic>
+        <p:nvPicPr>
+          <p:cNvPr id="6" name="Immagine 5" descr="Immagine che contiene testo, schermata, Carattere, linea&#10;&#10;Descrizione generata automaticamente">
+            <a:extLst>
+              <a:ext uri="{FF2B5EF4-FFF2-40B4-BE49-F238E27FC236}">
+                <a16:creationId xmlns:a16="http://schemas.microsoft.com/office/drawing/2014/main" id="{5640576D-F628-48D7-4198-BBF682E5503C}"/>
+              </a:ext>
+            </a:extLst>
+          </p:cNvPr>
+          <p:cNvPicPr>
+            <a:picLocks noChangeAspect="1"/>
+          </p:cNvPicPr>
+          <p:nvPr/>
+        </p:nvPicPr>
+        <p:blipFill rotWithShape="1">
+          <a:blip r:embed="rId3"/>
+          <a:srcRect r="21106"/>
+          <a:stretch/>
+        </p:blipFill>
+        <p:spPr>
+          <a:xfrm>
+            <a:off x="8657011" y="4814048"/>
+            <a:ext cx="3534989" cy="1163260"/>
+          </a:xfrm>
+          <a:prstGeom prst="rect">
+            <a:avLst/>
+          </a:prstGeom>
+        </p:spPr>
+      </p:pic>
+      <p:pic>
+        <p:nvPicPr>
+          <p:cNvPr id="16" name="Immagine 15" descr="Immagine che contiene testo, schermata, software&#10;&#10;Descrizione generata automaticamente">
+            <a:extLst>
+              <a:ext uri="{FF2B5EF4-FFF2-40B4-BE49-F238E27FC236}">
+                <a16:creationId xmlns:a16="http://schemas.microsoft.com/office/drawing/2014/main" id="{C4086174-13F1-2F1D-E7DA-056E344A34E3}"/>
+              </a:ext>
+            </a:extLst>
+          </p:cNvPr>
+          <p:cNvPicPr>
+            <a:picLocks noChangeAspect="1"/>
+          </p:cNvPicPr>
+          <p:nvPr/>
+        </p:nvPicPr>
+        <p:blipFill>
+          <a:blip r:embed="rId4"/>
+          <a:stretch>
+            <a:fillRect/>
+          </a:stretch>
+        </p:blipFill>
+        <p:spPr>
+          <a:xfrm>
+            <a:off x="762000" y="1107124"/>
+            <a:ext cx="8106243" cy="4517675"/>
+          </a:xfrm>
+          <a:prstGeom prst="rect">
+            <a:avLst/>
+          </a:prstGeom>
+        </p:spPr>
+      </p:pic>
+      <p:sp>
+        <p:nvSpPr>
+          <p:cNvPr id="9" name="CasellaDiTesto 8">
+            <a:extLst>
+              <a:ext uri="{FF2B5EF4-FFF2-40B4-BE49-F238E27FC236}">
+                <a16:creationId xmlns:a16="http://schemas.microsoft.com/office/drawing/2014/main" id="{9FAC9AF8-1C8F-36C2-90D5-8EC0577D25C9}"/>
+              </a:ext>
+            </a:extLst>
+          </p:cNvPr>
+          <p:cNvSpPr txBox="1"/>
+          <p:nvPr/>
+        </p:nvSpPr>
+        <p:spPr>
+          <a:xfrm>
+            <a:off x="3577009" y="645459"/>
+            <a:ext cx="7221070" cy="461665"/>
+          </a:xfrm>
+          <a:prstGeom prst="rect">
+            <a:avLst/>
+          </a:prstGeom>
+          <a:noFill/>
+        </p:spPr>
+        <p:txBody>
+          <a:bodyPr wrap="square" rtlCol="0">
+            <a:spAutoFit/>
+          </a:bodyPr>
+          <a:lstStyle/>
+          <a:p>
+            <a:r>
+              <a:rPr lang="it-IT" sz="2400" dirty="0">
+                <a:solidFill>
+                  <a:schemeClr val="bg1"/>
+                </a:solidFill>
+              </a:rPr>
+              <a:t> Job </a:t>
+            </a:r>
+            <a:r>
+              <a:rPr lang="it-IT" sz="2400" dirty="0" err="1">
+                <a:solidFill>
+                  <a:schemeClr val="bg1"/>
+                </a:solidFill>
+              </a:rPr>
+              <a:t>PySpark</a:t>
+            </a:r>
+            <a:r>
+              <a:rPr lang="it-IT" sz="2400" dirty="0">
+                <a:solidFill>
+                  <a:schemeClr val="bg1"/>
+                </a:solidFill>
+              </a:rPr>
+              <a:t>: </a:t>
+            </a:r>
+            <a:r>
+              <a:rPr lang="it-IT" sz="2400" dirty="0" err="1">
+                <a:solidFill>
+                  <a:schemeClr val="bg1"/>
+                </a:solidFill>
+              </a:rPr>
+              <a:t>TedTok_Log_In_Database</a:t>
+            </a:r>
+            <a:endParaRPr lang="it-IT" sz="2400" dirty="0">
+              <a:solidFill>
+                <a:schemeClr val="bg1"/>
+              </a:solidFill>
+            </a:endParaRPr>
+          </a:p>
+        </p:txBody>
+      </p:sp>
+      <p:sp>
+        <p:nvSpPr>
+          <p:cNvPr id="10" name="CasellaDiTesto 9">
+            <a:extLst>
+              <a:ext uri="{FF2B5EF4-FFF2-40B4-BE49-F238E27FC236}">
+                <a16:creationId xmlns:a16="http://schemas.microsoft.com/office/drawing/2014/main" id="{3545A3F9-80D6-16F5-73AD-CA8933A49D94}"/>
+              </a:ext>
+            </a:extLst>
+          </p:cNvPr>
+          <p:cNvSpPr txBox="1"/>
+          <p:nvPr/>
+        </p:nvSpPr>
+        <p:spPr>
+          <a:xfrm>
+            <a:off x="8657011" y="4352383"/>
+            <a:ext cx="1815353" cy="461665"/>
+          </a:xfrm>
+          <a:prstGeom prst="rect">
+            <a:avLst/>
+          </a:prstGeom>
+          <a:noFill/>
+        </p:spPr>
+        <p:txBody>
+          <a:bodyPr wrap="square" rtlCol="0">
+            <a:spAutoFit/>
+          </a:bodyPr>
+          <a:lstStyle/>
+          <a:p>
+            <a:r>
+              <a:rPr lang="it-IT" sz="2400" dirty="0" err="1">
+                <a:solidFill>
+                  <a:schemeClr val="bg1"/>
+                </a:solidFill>
+              </a:rPr>
+              <a:t>MongoDB</a:t>
+            </a:r>
+            <a:endParaRPr lang="it-IT" sz="2400" dirty="0">
+              <a:solidFill>
+                <a:schemeClr val="bg1"/>
+              </a:solidFill>
+            </a:endParaRPr>
+          </a:p>
+        </p:txBody>
+      </p:sp>
+      <p:sp>
+        <p:nvSpPr>
+          <p:cNvPr id="11" name="CasellaDiTesto 10">
+            <a:extLst>
+              <a:ext uri="{FF2B5EF4-FFF2-40B4-BE49-F238E27FC236}">
+                <a16:creationId xmlns:a16="http://schemas.microsoft.com/office/drawing/2014/main" id="{EF0FC560-F12A-8DED-7F0B-A859C3C9DA77}"/>
+              </a:ext>
+            </a:extLst>
+          </p:cNvPr>
+          <p:cNvSpPr txBox="1"/>
+          <p:nvPr/>
+        </p:nvSpPr>
+        <p:spPr>
+          <a:xfrm>
+            <a:off x="8780929" y="1637509"/>
+            <a:ext cx="2649071" cy="2308324"/>
+          </a:xfrm>
+          <a:prstGeom prst="rect">
+            <a:avLst/>
+          </a:prstGeom>
+          <a:noFill/>
+        </p:spPr>
+        <p:txBody>
+          <a:bodyPr wrap="square" rtlCol="0">
+            <a:spAutoFit/>
+          </a:bodyPr>
+          <a:lstStyle/>
+          <a:p>
+            <a:r>
+              <a:rPr lang="it-IT" sz="2400" dirty="0">
+                <a:solidFill>
+                  <a:schemeClr val="bg1"/>
+                </a:solidFill>
+              </a:rPr>
+              <a:t>Questo job permette di raccogliere i dati che gli utenti effettuano tramite il </a:t>
+            </a:r>
+            <a:r>
+              <a:rPr lang="it-IT" sz="2400" dirty="0" err="1">
+                <a:solidFill>
+                  <a:schemeClr val="bg1"/>
+                </a:solidFill>
+              </a:rPr>
+              <a:t>Sign</a:t>
+            </a:r>
+            <a:r>
+              <a:rPr lang="it-IT" sz="2400" dirty="0">
+                <a:solidFill>
+                  <a:schemeClr val="bg1"/>
+                </a:solidFill>
+              </a:rPr>
+              <a:t>-in.</a:t>
+            </a:r>
+          </a:p>
+        </p:txBody>
+      </p:sp>
     </p:spTree>
   </p:cSld>
   <p:clrMapOvr>
@@ -16734,6 +17150,203 @@
           </a:p>
         </p:txBody>
       </p:sp>
+      <p:pic>
+        <p:nvPicPr>
+          <p:cNvPr id="6" name="Immagine 5" descr="Immagine che contiene testo, schermata&#10;&#10;Descrizione generata automaticamente">
+            <a:extLst>
+              <a:ext uri="{FF2B5EF4-FFF2-40B4-BE49-F238E27FC236}">
+                <a16:creationId xmlns:a16="http://schemas.microsoft.com/office/drawing/2014/main" id="{2EEABF5E-583C-0800-9537-D3028FDF2B8A}"/>
+              </a:ext>
+            </a:extLst>
+          </p:cNvPr>
+          <p:cNvPicPr>
+            <a:picLocks noChangeAspect="1"/>
+          </p:cNvPicPr>
+          <p:nvPr/>
+        </p:nvPicPr>
+        <p:blipFill rotWithShape="1">
+          <a:blip r:embed="rId3"/>
+          <a:srcRect l="1629" t="-20" r="-1629" b="44967"/>
+          <a:stretch/>
+        </p:blipFill>
+        <p:spPr>
+          <a:xfrm>
+            <a:off x="1325724" y="1441193"/>
+            <a:ext cx="5479122" cy="3213811"/>
+          </a:xfrm>
+          <a:prstGeom prst="rect">
+            <a:avLst/>
+          </a:prstGeom>
+        </p:spPr>
+      </p:pic>
+      <p:pic>
+        <p:nvPicPr>
+          <p:cNvPr id="8" name="Immagine 7" descr="Immagine che contiene schermata, testo&#10;&#10;Descrizione generata automaticamente">
+            <a:extLst>
+              <a:ext uri="{FF2B5EF4-FFF2-40B4-BE49-F238E27FC236}">
+                <a16:creationId xmlns:a16="http://schemas.microsoft.com/office/drawing/2014/main" id="{A8AAF8FE-AAA7-6E7B-5DA9-951FEAC28F33}"/>
+              </a:ext>
+            </a:extLst>
+          </p:cNvPr>
+          <p:cNvPicPr>
+            <a:picLocks noChangeAspect="1"/>
+          </p:cNvPicPr>
+          <p:nvPr/>
+        </p:nvPicPr>
+        <p:blipFill rotWithShape="1">
+          <a:blip r:embed="rId4"/>
+          <a:srcRect r="54533"/>
+          <a:stretch/>
+        </p:blipFill>
+        <p:spPr>
+          <a:xfrm>
+            <a:off x="6340839" y="5043718"/>
+            <a:ext cx="5039851" cy="1814282"/>
+          </a:xfrm>
+          <a:prstGeom prst="rect">
+            <a:avLst/>
+          </a:prstGeom>
+        </p:spPr>
+      </p:pic>
+      <p:sp>
+        <p:nvSpPr>
+          <p:cNvPr id="9" name="CasellaDiTesto 8">
+            <a:extLst>
+              <a:ext uri="{FF2B5EF4-FFF2-40B4-BE49-F238E27FC236}">
+                <a16:creationId xmlns:a16="http://schemas.microsoft.com/office/drawing/2014/main" id="{DE78FEBB-CD3D-9768-678B-863EB2EA1627}"/>
+              </a:ext>
+            </a:extLst>
+          </p:cNvPr>
+          <p:cNvSpPr txBox="1"/>
+          <p:nvPr/>
+        </p:nvSpPr>
+        <p:spPr>
+          <a:xfrm>
+            <a:off x="3901040" y="846308"/>
+            <a:ext cx="3778624" cy="461665"/>
+          </a:xfrm>
+          <a:prstGeom prst="rect">
+            <a:avLst/>
+          </a:prstGeom>
+          <a:noFill/>
+        </p:spPr>
+        <p:txBody>
+          <a:bodyPr wrap="square" rtlCol="0">
+            <a:spAutoFit/>
+          </a:bodyPr>
+          <a:lstStyle/>
+          <a:p>
+            <a:r>
+              <a:rPr lang="it-IT" sz="2400" dirty="0">
+                <a:solidFill>
+                  <a:schemeClr val="bg1"/>
+                </a:solidFill>
+              </a:rPr>
+              <a:t>Lambda </a:t>
+            </a:r>
+            <a:r>
+              <a:rPr lang="it-IT" sz="2400" dirty="0" err="1">
+                <a:solidFill>
+                  <a:schemeClr val="bg1"/>
+                </a:solidFill>
+              </a:rPr>
+              <a:t>Function</a:t>
+            </a:r>
+            <a:r>
+              <a:rPr lang="it-IT" sz="2400" dirty="0">
+                <a:solidFill>
+                  <a:schemeClr val="bg1"/>
+                </a:solidFill>
+              </a:rPr>
+              <a:t>: Login</a:t>
+            </a:r>
+          </a:p>
+        </p:txBody>
+      </p:sp>
+      <p:pic>
+        <p:nvPicPr>
+          <p:cNvPr id="10" name="Immagine 9" descr="Immagine che contiene testo, schermata&#10;&#10;Descrizione generata automaticamente">
+            <a:extLst>
+              <a:ext uri="{FF2B5EF4-FFF2-40B4-BE49-F238E27FC236}">
+                <a16:creationId xmlns:a16="http://schemas.microsoft.com/office/drawing/2014/main" id="{893C8B98-C47E-0979-ECAA-23F7EE286549}"/>
+              </a:ext>
+            </a:extLst>
+          </p:cNvPr>
+          <p:cNvPicPr>
+            <a:picLocks noChangeAspect="1"/>
+          </p:cNvPicPr>
+          <p:nvPr/>
+        </p:nvPicPr>
+        <p:blipFill rotWithShape="1">
+          <a:blip r:embed="rId3"/>
+          <a:srcRect t="53155"/>
+          <a:stretch/>
+        </p:blipFill>
+        <p:spPr>
+          <a:xfrm>
+            <a:off x="5589469" y="1400406"/>
+            <a:ext cx="6602531" cy="3295386"/>
+          </a:xfrm>
+          <a:prstGeom prst="rect">
+            <a:avLst/>
+          </a:prstGeom>
+        </p:spPr>
+      </p:pic>
+      <p:sp>
+        <p:nvSpPr>
+          <p:cNvPr id="11" name="CasellaDiTesto 10">
+            <a:extLst>
+              <a:ext uri="{FF2B5EF4-FFF2-40B4-BE49-F238E27FC236}">
+                <a16:creationId xmlns:a16="http://schemas.microsoft.com/office/drawing/2014/main" id="{A78581D7-CCE9-A9CA-2BD1-0E2575565CF4}"/>
+              </a:ext>
+            </a:extLst>
+          </p:cNvPr>
+          <p:cNvSpPr txBox="1"/>
+          <p:nvPr/>
+        </p:nvSpPr>
+        <p:spPr>
+          <a:xfrm>
+            <a:off x="753035" y="4935071"/>
+            <a:ext cx="4836434" cy="1323439"/>
+          </a:xfrm>
+          <a:prstGeom prst="rect">
+            <a:avLst/>
+          </a:prstGeom>
+          <a:noFill/>
+        </p:spPr>
+        <p:txBody>
+          <a:bodyPr wrap="square" rtlCol="0">
+            <a:spAutoFit/>
+          </a:bodyPr>
+          <a:lstStyle/>
+          <a:p>
+            <a:r>
+              <a:rPr lang="it-IT" sz="1600" dirty="0">
+                <a:solidFill>
+                  <a:schemeClr val="bg1"/>
+                </a:solidFill>
+              </a:rPr>
+              <a:t>Questa Lambda </a:t>
+            </a:r>
+            <a:r>
+              <a:rPr lang="it-IT" sz="1600" dirty="0" err="1">
+                <a:solidFill>
+                  <a:schemeClr val="bg1"/>
+                </a:solidFill>
+              </a:rPr>
+              <a:t>Function</a:t>
+            </a:r>
+            <a:r>
+              <a:rPr lang="it-IT" sz="1600" dirty="0">
+                <a:solidFill>
+                  <a:schemeClr val="bg1"/>
+                </a:solidFill>
+              </a:rPr>
+              <a:t> consente di effettuare un controllo degli input inseriti dall'utente, mostrando il relativo errore, e infine permette di ottenere le relative informazioni dell'utente, che verranno successivamente mostrate.</a:t>
+            </a:r>
+          </a:p>
+        </p:txBody>
+      </p:sp>
     </p:spTree>
     <p:extLst>
       <p:ext uri="{BB962C8B-B14F-4D97-AF65-F5344CB8AC3E}">
@@ -16752,6 +17365,221 @@
   <p:cSld>
     <p:spTree>
       <p:nvGrpSpPr>
+        <p:cNvPr id="1" name="Shape 176"/>
+        <p:cNvGrpSpPr/>
+        <p:nvPr/>
+      </p:nvGrpSpPr>
+      <p:grpSpPr>
+        <a:xfrm>
+          <a:off x="0" y="0"/>
+          <a:ext cx="0" cy="0"/>
+          <a:chOff x="0" y="0"/>
+          <a:chExt cx="0" cy="0"/>
+        </a:xfrm>
+      </p:grpSpPr>
+      <p:pic>
+        <p:nvPicPr>
+          <p:cNvPr id="9" name="Immagine 8" descr="Immagine che contiene testo, Carattere, linea, numero&#10;&#10;Descrizione generata automaticamente">
+            <a:extLst>
+              <a:ext uri="{FF2B5EF4-FFF2-40B4-BE49-F238E27FC236}">
+                <a16:creationId xmlns:a16="http://schemas.microsoft.com/office/drawing/2014/main" id="{8BC54562-68BE-01BA-59A0-C552F17BFC27}"/>
+              </a:ext>
+            </a:extLst>
+          </p:cNvPr>
+          <p:cNvPicPr>
+            <a:picLocks noChangeAspect="1"/>
+          </p:cNvPicPr>
+          <p:nvPr/>
+        </p:nvPicPr>
+        <p:blipFill>
+          <a:blip r:embed="rId3"/>
+          <a:stretch>
+            <a:fillRect/>
+          </a:stretch>
+        </p:blipFill>
+        <p:spPr>
+          <a:xfrm>
+            <a:off x="5050225" y="1741787"/>
+            <a:ext cx="3516937" cy="1082134"/>
+          </a:xfrm>
+          <a:prstGeom prst="rect">
+            <a:avLst/>
+          </a:prstGeom>
+        </p:spPr>
+      </p:pic>
+      <p:pic>
+        <p:nvPicPr>
+          <p:cNvPr id="11" name="Immagine 10" descr="Immagine che contiene testo, schermata, Carattere, linea&#10;&#10;Descrizione generata automaticamente">
+            <a:extLst>
+              <a:ext uri="{FF2B5EF4-FFF2-40B4-BE49-F238E27FC236}">
+                <a16:creationId xmlns:a16="http://schemas.microsoft.com/office/drawing/2014/main" id="{5F71B519-3A4A-6D57-768C-514630D8CB14}"/>
+              </a:ext>
+            </a:extLst>
+          </p:cNvPr>
+          <p:cNvPicPr>
+            <a:picLocks noChangeAspect="1"/>
+          </p:cNvPicPr>
+          <p:nvPr/>
+        </p:nvPicPr>
+        <p:blipFill>
+          <a:blip r:embed="rId4"/>
+          <a:stretch>
+            <a:fillRect/>
+          </a:stretch>
+        </p:blipFill>
+        <p:spPr>
+          <a:xfrm>
+            <a:off x="5050225" y="3775565"/>
+            <a:ext cx="3516937" cy="1504233"/>
+          </a:xfrm>
+          <a:prstGeom prst="rect">
+            <a:avLst/>
+          </a:prstGeom>
+        </p:spPr>
+      </p:pic>
+      <p:sp>
+        <p:nvSpPr>
+          <p:cNvPr id="12" name="CasellaDiTesto 11">
+            <a:extLst>
+              <a:ext uri="{FF2B5EF4-FFF2-40B4-BE49-F238E27FC236}">
+                <a16:creationId xmlns:a16="http://schemas.microsoft.com/office/drawing/2014/main" id="{1EFD743A-A14E-B3D3-7D3B-658D3EE82029}"/>
+              </a:ext>
+            </a:extLst>
+          </p:cNvPr>
+          <p:cNvSpPr txBox="1"/>
+          <p:nvPr/>
+        </p:nvSpPr>
+        <p:spPr>
+          <a:xfrm>
+            <a:off x="4364956" y="500787"/>
+            <a:ext cx="6979023" cy="523220"/>
+          </a:xfrm>
+          <a:prstGeom prst="rect">
+            <a:avLst/>
+          </a:prstGeom>
+          <a:noFill/>
+        </p:spPr>
+        <p:txBody>
+          <a:bodyPr wrap="square" rtlCol="0">
+            <a:spAutoFit/>
+          </a:bodyPr>
+          <a:lstStyle/>
+          <a:p>
+            <a:r>
+              <a:rPr lang="it-IT" sz="2800" dirty="0" err="1">
+                <a:solidFill>
+                  <a:schemeClr val="bg1"/>
+                </a:solidFill>
+              </a:rPr>
+              <a:t>MongoDB</a:t>
+            </a:r>
+            <a:r>
+              <a:rPr lang="it-IT" sz="2800" dirty="0">
+                <a:solidFill>
+                  <a:schemeClr val="bg1"/>
+                </a:solidFill>
+              </a:rPr>
+              <a:t>: LOGIN</a:t>
+            </a:r>
+          </a:p>
+        </p:txBody>
+      </p:sp>
+      <p:sp>
+        <p:nvSpPr>
+          <p:cNvPr id="13" name="CasellaDiTesto 12">
+            <a:extLst>
+              <a:ext uri="{FF2B5EF4-FFF2-40B4-BE49-F238E27FC236}">
+                <a16:creationId xmlns:a16="http://schemas.microsoft.com/office/drawing/2014/main" id="{2D56F531-7ACE-D423-A074-C38E073ABE91}"/>
+              </a:ext>
+            </a:extLst>
+          </p:cNvPr>
+          <p:cNvSpPr txBox="1"/>
+          <p:nvPr/>
+        </p:nvSpPr>
+        <p:spPr>
+          <a:xfrm>
+            <a:off x="2709582" y="2098188"/>
+            <a:ext cx="1129552" cy="369332"/>
+          </a:xfrm>
+          <a:prstGeom prst="rect">
+            <a:avLst/>
+          </a:prstGeom>
+          <a:noFill/>
+        </p:spPr>
+        <p:txBody>
+          <a:bodyPr wrap="square" rtlCol="0">
+            <a:spAutoFit/>
+          </a:bodyPr>
+          <a:lstStyle/>
+          <a:p>
+            <a:r>
+              <a:rPr lang="it-IT" sz="1800" dirty="0">
+                <a:solidFill>
+                  <a:schemeClr val="bg1"/>
+                </a:solidFill>
+              </a:rPr>
+              <a:t>INPUT</a:t>
+            </a:r>
+          </a:p>
+        </p:txBody>
+      </p:sp>
+      <p:sp>
+        <p:nvSpPr>
+          <p:cNvPr id="14" name="CasellaDiTesto 13">
+            <a:extLst>
+              <a:ext uri="{FF2B5EF4-FFF2-40B4-BE49-F238E27FC236}">
+                <a16:creationId xmlns:a16="http://schemas.microsoft.com/office/drawing/2014/main" id="{D1D695F4-D5A0-0B48-168B-82A5CEB2ECD6}"/>
+              </a:ext>
+            </a:extLst>
+          </p:cNvPr>
+          <p:cNvSpPr txBox="1"/>
+          <p:nvPr/>
+        </p:nvSpPr>
+        <p:spPr>
+          <a:xfrm>
+            <a:off x="2420470" y="4343015"/>
+            <a:ext cx="1707777" cy="369332"/>
+          </a:xfrm>
+          <a:prstGeom prst="rect">
+            <a:avLst/>
+          </a:prstGeom>
+          <a:noFill/>
+        </p:spPr>
+        <p:txBody>
+          <a:bodyPr wrap="square" rtlCol="0">
+            <a:spAutoFit/>
+          </a:bodyPr>
+          <a:lstStyle/>
+          <a:p>
+            <a:r>
+              <a:rPr lang="it-IT" sz="1800" dirty="0">
+                <a:solidFill>
+                  <a:schemeClr val="bg1"/>
+                </a:solidFill>
+              </a:rPr>
+              <a:t>OUTPUT</a:t>
+            </a:r>
+          </a:p>
+        </p:txBody>
+      </p:sp>
+    </p:spTree>
+    <p:extLst>
+      <p:ext uri="{BB962C8B-B14F-4D97-AF65-F5344CB8AC3E}">
+        <p14:creationId xmlns:p14="http://schemas.microsoft.com/office/powerpoint/2010/main" val="3451386327"/>
+      </p:ext>
+    </p:extLst>
+  </p:cSld>
+  <p:clrMapOvr>
+    <a:masterClrMapping/>
+  </p:clrMapOvr>
+</p:sld>
+</file>
+
+<file path=ppt/slides/slide7.xml><?xml version="1.0" encoding="utf-8"?>
+<p:sld xmlns:a="http://schemas.openxmlformats.org/drawingml/2006/main" xmlns:r="http://schemas.openxmlformats.org/officeDocument/2006/relationships" xmlns:p="http://schemas.openxmlformats.org/presentationml/2006/main">
+  <p:cSld>
+    <p:spTree>
+      <p:nvGrpSpPr>
         <p:cNvPr id="1" name="Shape 165"/>
         <p:cNvGrpSpPr/>
         <p:nvPr/>
@@ -16764,6 +17592,160 @@
           <a:chExt cx="0" cy="0"/>
         </a:xfrm>
       </p:grpSpPr>
+      <p:pic>
+        <p:nvPicPr>
+          <p:cNvPr id="5" name="Immagine 4" descr="Immagine che contiene testo, schermata&#10;&#10;Descrizione generata automaticamente">
+            <a:extLst>
+              <a:ext uri="{FF2B5EF4-FFF2-40B4-BE49-F238E27FC236}">
+                <a16:creationId xmlns:a16="http://schemas.microsoft.com/office/drawing/2014/main" id="{240CE418-FC13-A56B-A844-BA0E73267DF1}"/>
+              </a:ext>
+            </a:extLst>
+          </p:cNvPr>
+          <p:cNvPicPr>
+            <a:picLocks noChangeAspect="1"/>
+          </p:cNvPicPr>
+          <p:nvPr/>
+        </p:nvPicPr>
+        <p:blipFill>
+          <a:blip r:embed="rId3"/>
+          <a:stretch>
+            <a:fillRect/>
+          </a:stretch>
+        </p:blipFill>
+        <p:spPr>
+          <a:xfrm>
+            <a:off x="182875" y="845657"/>
+            <a:ext cx="4840062" cy="5324068"/>
+          </a:xfrm>
+          <a:prstGeom prst="rect">
+            <a:avLst/>
+          </a:prstGeom>
+        </p:spPr>
+      </p:pic>
+      <p:pic>
+        <p:nvPicPr>
+          <p:cNvPr id="7" name="Immagine 6" descr="Immagine che contiene testo, schermata&#10;&#10;Descrizione generata automaticamente">
+            <a:extLst>
+              <a:ext uri="{FF2B5EF4-FFF2-40B4-BE49-F238E27FC236}">
+                <a16:creationId xmlns:a16="http://schemas.microsoft.com/office/drawing/2014/main" id="{57104873-8DFF-ACC3-229D-9DBCBC13C770}"/>
+              </a:ext>
+            </a:extLst>
+          </p:cNvPr>
+          <p:cNvPicPr>
+            <a:picLocks noChangeAspect="1"/>
+          </p:cNvPicPr>
+          <p:nvPr/>
+        </p:nvPicPr>
+        <p:blipFill>
+          <a:blip r:embed="rId4"/>
+          <a:stretch>
+            <a:fillRect/>
+          </a:stretch>
+        </p:blipFill>
+        <p:spPr>
+          <a:xfrm>
+            <a:off x="5527783" y="2378324"/>
+            <a:ext cx="6664217" cy="3335711"/>
+          </a:xfrm>
+          <a:prstGeom prst="rect">
+            <a:avLst/>
+          </a:prstGeom>
+        </p:spPr>
+      </p:pic>
+      <p:sp>
+        <p:nvSpPr>
+          <p:cNvPr id="8" name="CasellaDiTesto 7">
+            <a:extLst>
+              <a:ext uri="{FF2B5EF4-FFF2-40B4-BE49-F238E27FC236}">
+                <a16:creationId xmlns:a16="http://schemas.microsoft.com/office/drawing/2014/main" id="{C72A9F77-3F7D-29B1-6A0B-5E1E7DC2F81B}"/>
+              </a:ext>
+            </a:extLst>
+          </p:cNvPr>
+          <p:cNvSpPr txBox="1"/>
+          <p:nvPr/>
+        </p:nvSpPr>
+        <p:spPr>
+          <a:xfrm>
+            <a:off x="4188126" y="254667"/>
+            <a:ext cx="7230793" cy="584775"/>
+          </a:xfrm>
+          <a:prstGeom prst="rect">
+            <a:avLst/>
+          </a:prstGeom>
+          <a:noFill/>
+        </p:spPr>
+        <p:txBody>
+          <a:bodyPr wrap="square" rtlCol="0">
+            <a:spAutoFit/>
+          </a:bodyPr>
+          <a:lstStyle/>
+          <a:p>
+            <a:r>
+              <a:rPr lang="it-IT" sz="3200" dirty="0">
+                <a:solidFill>
+                  <a:schemeClr val="bg1"/>
+                </a:solidFill>
+              </a:rPr>
+              <a:t>LF: SIGN-IN</a:t>
+            </a:r>
+          </a:p>
+        </p:txBody>
+      </p:sp>
+      <p:sp>
+        <p:nvSpPr>
+          <p:cNvPr id="10" name="CasellaDiTesto 9">
+            <a:extLst>
+              <a:ext uri="{FF2B5EF4-FFF2-40B4-BE49-F238E27FC236}">
+                <a16:creationId xmlns:a16="http://schemas.microsoft.com/office/drawing/2014/main" id="{FBCE041A-EAE3-2760-ADA1-B7C7F158D20B}"/>
+              </a:ext>
+            </a:extLst>
+          </p:cNvPr>
+          <p:cNvSpPr txBox="1"/>
+          <p:nvPr/>
+        </p:nvSpPr>
+        <p:spPr>
+          <a:xfrm>
+            <a:off x="6183682" y="839442"/>
+            <a:ext cx="4840061" cy="1323439"/>
+          </a:xfrm>
+          <a:prstGeom prst="rect">
+            <a:avLst/>
+          </a:prstGeom>
+          <a:noFill/>
+        </p:spPr>
+        <p:txBody>
+          <a:bodyPr wrap="square" rtlCol="0">
+            <a:spAutoFit/>
+          </a:bodyPr>
+          <a:lstStyle/>
+          <a:p>
+            <a:r>
+              <a:rPr lang="it-IT" sz="1600" dirty="0">
+                <a:solidFill>
+                  <a:schemeClr val="bg1"/>
+                </a:solidFill>
+              </a:rPr>
+              <a:t>Questa Lambda </a:t>
+            </a:r>
+            <a:r>
+              <a:rPr lang="it-IT" sz="1600" dirty="0" err="1">
+                <a:solidFill>
+                  <a:schemeClr val="bg1"/>
+                </a:solidFill>
+              </a:rPr>
+              <a:t>Function</a:t>
+            </a:r>
+            <a:r>
+              <a:rPr lang="it-IT" sz="1600" dirty="0">
+                <a:solidFill>
+                  <a:schemeClr val="bg1"/>
+                </a:solidFill>
+              </a:rPr>
+              <a:t> permette di effettuare la registrazione dell’utente. I dati vengono inseriti nel database, svolgendo i relativi controlli, e viene mostrato un messaggio in caso di successo dell'inserimento</a:t>
+            </a:r>
+          </a:p>
+        </p:txBody>
+      </p:sp>
     </p:spTree>
     <p:extLst>
       <p:ext uri="{BB962C8B-B14F-4D97-AF65-F5344CB8AC3E}">
@@ -16777,7 +17759,7 @@
 </p:sld>
 </file>
 
-<file path=ppt/slides/slide7.xml><?xml version="1.0" encoding="utf-8"?>
+<file path=ppt/slides/slide8.xml><?xml version="1.0" encoding="utf-8"?>
 <p:sld xmlns:a="http://schemas.openxmlformats.org/drawingml/2006/main" xmlns:r="http://schemas.openxmlformats.org/officeDocument/2006/relationships" xmlns:p="http://schemas.openxmlformats.org/presentationml/2006/main">
   <p:cSld>
     <p:spTree>
@@ -16794,10 +17776,187 @@
           <a:chExt cx="0" cy="0"/>
         </a:xfrm>
       </p:grpSpPr>
+      <p:pic>
+        <p:nvPicPr>
+          <p:cNvPr id="5" name="Immagine 4" descr="Immagine che contiene testo, schermata, Carattere, linea&#10;&#10;Descrizione generata automaticamente">
+            <a:extLst>
+              <a:ext uri="{FF2B5EF4-FFF2-40B4-BE49-F238E27FC236}">
+                <a16:creationId xmlns:a16="http://schemas.microsoft.com/office/drawing/2014/main" id="{2C542926-610B-B8A6-F44B-319F027E68C9}"/>
+              </a:ext>
+            </a:extLst>
+          </p:cNvPr>
+          <p:cNvPicPr>
+            <a:picLocks noChangeAspect="1"/>
+          </p:cNvPicPr>
+          <p:nvPr/>
+        </p:nvPicPr>
+        <p:blipFill>
+          <a:blip r:embed="rId3"/>
+          <a:stretch>
+            <a:fillRect/>
+          </a:stretch>
+        </p:blipFill>
+        <p:spPr>
+          <a:xfrm>
+            <a:off x="4803647" y="2094963"/>
+            <a:ext cx="4405388" cy="1413931"/>
+          </a:xfrm>
+          <a:prstGeom prst="rect">
+            <a:avLst/>
+          </a:prstGeom>
+        </p:spPr>
+      </p:pic>
+      <p:pic>
+        <p:nvPicPr>
+          <p:cNvPr id="10" name="Immagine 9" descr="Immagine che contiene testo, Carattere, schermata, linea&#10;&#10;Descrizione generata automaticamente">
+            <a:extLst>
+              <a:ext uri="{FF2B5EF4-FFF2-40B4-BE49-F238E27FC236}">
+                <a16:creationId xmlns:a16="http://schemas.microsoft.com/office/drawing/2014/main" id="{C71DF3E3-FC55-2F1C-AF71-A6065D93E393}"/>
+              </a:ext>
+            </a:extLst>
+          </p:cNvPr>
+          <p:cNvPicPr>
+            <a:picLocks noChangeAspect="1"/>
+          </p:cNvPicPr>
+          <p:nvPr/>
+        </p:nvPicPr>
+        <p:blipFill>
+          <a:blip r:embed="rId4"/>
+          <a:stretch>
+            <a:fillRect/>
+          </a:stretch>
+        </p:blipFill>
+        <p:spPr>
+          <a:xfrm>
+            <a:off x="4800386" y="4525550"/>
+            <a:ext cx="5039075" cy="922099"/>
+          </a:xfrm>
+          <a:prstGeom prst="rect">
+            <a:avLst/>
+          </a:prstGeom>
+        </p:spPr>
+      </p:pic>
+      <p:sp>
+        <p:nvSpPr>
+          <p:cNvPr id="11" name="CasellaDiTesto 10">
+            <a:extLst>
+              <a:ext uri="{FF2B5EF4-FFF2-40B4-BE49-F238E27FC236}">
+                <a16:creationId xmlns:a16="http://schemas.microsoft.com/office/drawing/2014/main" id="{94B1A699-E33E-7F50-23D5-BE9231AAB04A}"/>
+              </a:ext>
+            </a:extLst>
+          </p:cNvPr>
+          <p:cNvSpPr txBox="1"/>
+          <p:nvPr/>
+        </p:nvSpPr>
+        <p:spPr>
+          <a:xfrm>
+            <a:off x="4263388" y="519040"/>
+            <a:ext cx="7230793" cy="584775"/>
+          </a:xfrm>
+          <a:prstGeom prst="rect">
+            <a:avLst/>
+          </a:prstGeom>
+          <a:noFill/>
+        </p:spPr>
+        <p:txBody>
+          <a:bodyPr wrap="square" rtlCol="0">
+            <a:spAutoFit/>
+          </a:bodyPr>
+          <a:lstStyle/>
+          <a:p>
+            <a:r>
+              <a:rPr lang="it-IT" sz="3200" dirty="0">
+                <a:solidFill>
+                  <a:schemeClr val="bg1"/>
+                </a:solidFill>
+              </a:rPr>
+              <a:t>LF: SIGN-IN</a:t>
+            </a:r>
+          </a:p>
+        </p:txBody>
+      </p:sp>
+      <p:sp>
+        <p:nvSpPr>
+          <p:cNvPr id="12" name="CasellaDiTesto 11">
+            <a:extLst>
+              <a:ext uri="{FF2B5EF4-FFF2-40B4-BE49-F238E27FC236}">
+                <a16:creationId xmlns:a16="http://schemas.microsoft.com/office/drawing/2014/main" id="{084D2430-E6DC-5785-C522-AD0A321EBC18}"/>
+              </a:ext>
+            </a:extLst>
+          </p:cNvPr>
+          <p:cNvSpPr txBox="1"/>
+          <p:nvPr/>
+        </p:nvSpPr>
+        <p:spPr>
+          <a:xfrm>
+            <a:off x="2555611" y="2552765"/>
+            <a:ext cx="1129552" cy="400110"/>
+          </a:xfrm>
+          <a:prstGeom prst="rect">
+            <a:avLst/>
+          </a:prstGeom>
+          <a:noFill/>
+        </p:spPr>
+        <p:txBody>
+          <a:bodyPr wrap="square" rtlCol="0">
+            <a:spAutoFit/>
+          </a:bodyPr>
+          <a:lstStyle/>
+          <a:p>
+            <a:r>
+              <a:rPr lang="it-IT" sz="2000" dirty="0">
+                <a:solidFill>
+                  <a:schemeClr val="bg1"/>
+                </a:solidFill>
+              </a:rPr>
+              <a:t>INPUT</a:t>
+            </a:r>
+          </a:p>
+        </p:txBody>
+      </p:sp>
+      <p:sp>
+        <p:nvSpPr>
+          <p:cNvPr id="13" name="CasellaDiTesto 12">
+            <a:extLst>
+              <a:ext uri="{FF2B5EF4-FFF2-40B4-BE49-F238E27FC236}">
+                <a16:creationId xmlns:a16="http://schemas.microsoft.com/office/drawing/2014/main" id="{256E5866-0E99-390D-4091-56BB3824E5E0}"/>
+              </a:ext>
+            </a:extLst>
+          </p:cNvPr>
+          <p:cNvSpPr txBox="1"/>
+          <p:nvPr/>
+        </p:nvSpPr>
+        <p:spPr>
+          <a:xfrm>
+            <a:off x="2555611" y="4801934"/>
+            <a:ext cx="1707777" cy="369332"/>
+          </a:xfrm>
+          <a:prstGeom prst="rect">
+            <a:avLst/>
+          </a:prstGeom>
+          <a:noFill/>
+        </p:spPr>
+        <p:txBody>
+          <a:bodyPr wrap="square" rtlCol="0">
+            <a:spAutoFit/>
+          </a:bodyPr>
+          <a:lstStyle/>
+          <a:p>
+            <a:r>
+              <a:rPr lang="it-IT" sz="1800" dirty="0">
+                <a:solidFill>
+                  <a:schemeClr val="bg1"/>
+                </a:solidFill>
+              </a:rPr>
+              <a:t>OUTPUT</a:t>
+            </a:r>
+          </a:p>
+        </p:txBody>
+      </p:sp>
     </p:spTree>
     <p:extLst>
       <p:ext uri="{BB962C8B-B14F-4D97-AF65-F5344CB8AC3E}">
-        <p14:creationId xmlns:p14="http://schemas.microsoft.com/office/powerpoint/2010/main" val="3451386327"/>
+        <p14:creationId xmlns:p14="http://schemas.microsoft.com/office/powerpoint/2010/main" val="4039058687"/>
       </p:ext>
     </p:extLst>
   </p:cSld>
@@ -16807,7 +17966,7 @@
 </p:sld>
 </file>
 
-<file path=ppt/slides/slide8.xml><?xml version="1.0" encoding="utf-8"?>
+<file path=ppt/slides/slide9.xml><?xml version="1.0" encoding="utf-8"?>
 <p:sld xmlns:a="http://schemas.openxmlformats.org/drawingml/2006/main" xmlns:r="http://schemas.openxmlformats.org/officeDocument/2006/relationships" xmlns:p="http://schemas.openxmlformats.org/presentationml/2006/main">
   <p:cSld>
     <p:spTree>
@@ -16863,40 +18022,235 @@
           </a:p>
         </p:txBody>
       </p:sp>
+      <p:sp>
+        <p:nvSpPr>
+          <p:cNvPr id="7" name="CasellaDiTesto 6">
+            <a:extLst>
+              <a:ext uri="{FF2B5EF4-FFF2-40B4-BE49-F238E27FC236}">
+                <a16:creationId xmlns:a16="http://schemas.microsoft.com/office/drawing/2014/main" id="{25A24BDA-996F-20FC-91B7-87A9F6AB4EF6}"/>
+              </a:ext>
+            </a:extLst>
+          </p:cNvPr>
+          <p:cNvSpPr txBox="1"/>
+          <p:nvPr/>
+        </p:nvSpPr>
+        <p:spPr>
+          <a:xfrm>
+            <a:off x="2734234" y="829535"/>
+            <a:ext cx="5177118" cy="400110"/>
+          </a:xfrm>
+          <a:prstGeom prst="rect">
+            <a:avLst/>
+          </a:prstGeom>
+          <a:noFill/>
+        </p:spPr>
+        <p:txBody>
+          <a:bodyPr wrap="square" rtlCol="0">
+            <a:spAutoFit/>
+          </a:bodyPr>
+          <a:lstStyle/>
+          <a:p>
+            <a:r>
+              <a:rPr lang="it-IT" sz="2000" dirty="0">
+                <a:solidFill>
+                  <a:schemeClr val="bg1"/>
+                </a:solidFill>
+              </a:rPr>
+              <a:t>FRAME</a:t>
+            </a:r>
+          </a:p>
+        </p:txBody>
+      </p:sp>
+      <p:pic>
+        <p:nvPicPr>
+          <p:cNvPr id="9" name="Immagine 8" descr="Immagine che contiene testo, Cellulare, multimediale, schermata&#10;&#10;Descrizione generata automaticamente">
+            <a:extLst>
+              <a:ext uri="{FF2B5EF4-FFF2-40B4-BE49-F238E27FC236}">
+                <a16:creationId xmlns:a16="http://schemas.microsoft.com/office/drawing/2014/main" id="{0C84DD9D-B7A0-4F7F-CB8D-64C3557D54CD}"/>
+              </a:ext>
+            </a:extLst>
+          </p:cNvPr>
+          <p:cNvPicPr>
+            <a:picLocks noChangeAspect="1"/>
+          </p:cNvPicPr>
+          <p:nvPr/>
+        </p:nvPicPr>
+        <p:blipFill>
+          <a:blip r:embed="rId3"/>
+          <a:stretch>
+            <a:fillRect/>
+          </a:stretch>
+        </p:blipFill>
+        <p:spPr>
+          <a:xfrm>
+            <a:off x="319490" y="1221760"/>
+            <a:ext cx="2414744" cy="5074614"/>
+          </a:xfrm>
+          <a:prstGeom prst="rect">
+            <a:avLst/>
+          </a:prstGeom>
+        </p:spPr>
+      </p:pic>
+      <p:pic>
+        <p:nvPicPr>
+          <p:cNvPr id="11" name="Immagine 10" descr="Immagine che contiene testo, Cellulare, schermata, gadget&#10;&#10;Descrizione generata automaticamente">
+            <a:extLst>
+              <a:ext uri="{FF2B5EF4-FFF2-40B4-BE49-F238E27FC236}">
+                <a16:creationId xmlns:a16="http://schemas.microsoft.com/office/drawing/2014/main" id="{E7DEDB04-DEB4-26DD-75B2-1F8746BC9A4A}"/>
+              </a:ext>
+            </a:extLst>
+          </p:cNvPr>
+          <p:cNvPicPr>
+            <a:picLocks noChangeAspect="1"/>
+          </p:cNvPicPr>
+          <p:nvPr/>
+        </p:nvPicPr>
+        <p:blipFill>
+          <a:blip r:embed="rId4"/>
+          <a:stretch>
+            <a:fillRect/>
+          </a:stretch>
+        </p:blipFill>
+        <p:spPr>
+          <a:xfrm>
+            <a:off x="3159562" y="1221760"/>
+            <a:ext cx="2359800" cy="5074614"/>
+          </a:xfrm>
+          <a:prstGeom prst="rect">
+            <a:avLst/>
+          </a:prstGeom>
+        </p:spPr>
+      </p:pic>
+      <p:sp>
+        <p:nvSpPr>
+          <p:cNvPr id="21" name="CasellaDiTesto 20">
+            <a:extLst>
+              <a:ext uri="{FF2B5EF4-FFF2-40B4-BE49-F238E27FC236}">
+                <a16:creationId xmlns:a16="http://schemas.microsoft.com/office/drawing/2014/main" id="{443C1095-FE06-EFEA-9960-4A7681011D33}"/>
+              </a:ext>
+            </a:extLst>
+          </p:cNvPr>
+          <p:cNvSpPr txBox="1"/>
+          <p:nvPr/>
+        </p:nvSpPr>
+        <p:spPr>
+          <a:xfrm>
+            <a:off x="6767964" y="1797112"/>
+            <a:ext cx="4194151" cy="3785652"/>
+          </a:xfrm>
+          <a:prstGeom prst="rect">
+            <a:avLst/>
+          </a:prstGeom>
+          <a:noFill/>
+        </p:spPr>
+        <p:txBody>
+          <a:bodyPr wrap="square" rtlCol="0">
+            <a:spAutoFit/>
+          </a:bodyPr>
+          <a:lstStyle/>
+          <a:p>
+            <a:r>
+              <a:rPr lang="it-IT" sz="2000" dirty="0">
+                <a:solidFill>
+                  <a:schemeClr val="bg1"/>
+                </a:solidFill>
+              </a:rPr>
+              <a:t>Abbiamo implementato all’interno dell’app la possibilità di creare un account tramite log-in e </a:t>
+            </a:r>
+            <a:r>
+              <a:rPr lang="it-IT" sz="2000" dirty="0" err="1">
+                <a:solidFill>
+                  <a:schemeClr val="bg1"/>
+                </a:solidFill>
+              </a:rPr>
+              <a:t>sign</a:t>
+            </a:r>
+            <a:r>
+              <a:rPr lang="it-IT" sz="2000" dirty="0">
+                <a:solidFill>
+                  <a:schemeClr val="bg1"/>
+                </a:solidFill>
+              </a:rPr>
+              <a:t>-in. </a:t>
+            </a:r>
+          </a:p>
+          <a:p>
+            <a:endParaRPr lang="it-IT" sz="2000" dirty="0">
+              <a:solidFill>
+                <a:schemeClr val="bg1"/>
+              </a:solidFill>
+            </a:endParaRPr>
+          </a:p>
+          <a:p>
+            <a:r>
+              <a:rPr lang="it-IT" sz="2000" dirty="0">
+                <a:solidFill>
+                  <a:schemeClr val="bg1"/>
+                </a:solidFill>
+              </a:rPr>
+              <a:t>Le immagini presenti sono racchiuse all’interno di un widget di tipo carousel, che consente di far scorrere un numero limitato di immagini da noi scelte.</a:t>
+            </a:r>
+          </a:p>
+          <a:p>
+            <a:endParaRPr lang="it-IT" sz="2000" dirty="0">
+              <a:solidFill>
+                <a:schemeClr val="bg1"/>
+              </a:solidFill>
+            </a:endParaRPr>
+          </a:p>
+          <a:p>
+            <a:r>
+              <a:rPr lang="it-IT" sz="2000" dirty="0">
+                <a:solidFill>
+                  <a:schemeClr val="bg1"/>
+                </a:solidFill>
+              </a:rPr>
+              <a:t> Per i dati del </a:t>
+            </a:r>
+            <a:r>
+              <a:rPr lang="it-IT" sz="2000" dirty="0" err="1">
+                <a:solidFill>
+                  <a:schemeClr val="bg1"/>
+                </a:solidFill>
+              </a:rPr>
+              <a:t>sign</a:t>
+            </a:r>
+            <a:r>
+              <a:rPr lang="it-IT" sz="2000" dirty="0">
+                <a:solidFill>
+                  <a:schemeClr val="bg1"/>
+                </a:solidFill>
+              </a:rPr>
+              <a:t>-in, abbiamo utilizzato un widget di tipo </a:t>
+            </a:r>
+            <a:r>
+              <a:rPr lang="it-IT" sz="2000" dirty="0" err="1">
+                <a:solidFill>
+                  <a:schemeClr val="bg1"/>
+                </a:solidFill>
+              </a:rPr>
+              <a:t>modal</a:t>
+            </a:r>
+            <a:r>
+              <a:rPr lang="it-IT" sz="2000" dirty="0">
+                <a:solidFill>
+                  <a:schemeClr val="bg1"/>
+                </a:solidFill>
+              </a:rPr>
+              <a:t>.</a:t>
+            </a:r>
+            <a:endParaRPr lang="it-IT" sz="1600" dirty="0">
+              <a:solidFill>
+                <a:schemeClr val="bg1"/>
+              </a:solidFill>
+            </a:endParaRPr>
+          </a:p>
+        </p:txBody>
+      </p:sp>
     </p:spTree>
     <p:extLst>
       <p:ext uri="{BB962C8B-B14F-4D97-AF65-F5344CB8AC3E}">
         <p14:creationId xmlns:p14="http://schemas.microsoft.com/office/powerpoint/2010/main" val="2363701902"/>
-      </p:ext>
-    </p:extLst>
-  </p:cSld>
-  <p:clrMapOvr>
-    <a:masterClrMapping/>
-  </p:clrMapOvr>
-</p:sld>
-</file>
-
-<file path=ppt/slides/slide9.xml><?xml version="1.0" encoding="utf-8"?>
-<p:sld xmlns:a="http://schemas.openxmlformats.org/drawingml/2006/main" xmlns:r="http://schemas.openxmlformats.org/officeDocument/2006/relationships" xmlns:p="http://schemas.openxmlformats.org/presentationml/2006/main">
-  <p:cSld>
-    <p:spTree>
-      <p:nvGrpSpPr>
-        <p:cNvPr id="1" name="Shape 176"/>
-        <p:cNvGrpSpPr/>
-        <p:nvPr/>
-      </p:nvGrpSpPr>
-      <p:grpSpPr>
-        <a:xfrm>
-          <a:off x="0" y="0"/>
-          <a:ext cx="0" cy="0"/>
-          <a:chOff x="0" y="0"/>
-          <a:chExt cx="0" cy="0"/>
-        </a:xfrm>
-      </p:grpSpPr>
-    </p:spTree>
-    <p:extLst>
-      <p:ext uri="{BB962C8B-B14F-4D97-AF65-F5344CB8AC3E}">
-        <p14:creationId xmlns:p14="http://schemas.microsoft.com/office/powerpoint/2010/main" val="4039058687"/>
       </p:ext>
     </p:extLst>
   </p:cSld>
